--- a/Assets/Sprites/logo.pptx
+++ b/Assets/Sprites/logo.pptx
@@ -6,6 +6,7 @@
   </p:sldMasterIdLst>
   <p:sldIdLst>
     <p:sldId id="256" r:id="rId2"/>
+    <p:sldId id="258" r:id="rId3"/>
   </p:sldIdLst>
   <p:sldSz cx="12192000" cy="6858000"/>
   <p:notesSz cx="6858000" cy="9144000"/>
@@ -259,7 +260,7 @@
           <a:p>
             <a:fld id="{B9DB79A2-7FE3-42BF-89B9-2478ECA01F93}" type="datetimeFigureOut">
               <a:rPr lang="en-US" smtClean="0"/>
-              <a:t>11/22/2021</a:t>
+              <a:t>11/29/2021</a:t>
             </a:fld>
             <a:endParaRPr lang="en-US"/>
           </a:p>
@@ -457,7 +458,7 @@
           <a:p>
             <a:fld id="{B9DB79A2-7FE3-42BF-89B9-2478ECA01F93}" type="datetimeFigureOut">
               <a:rPr lang="en-US" smtClean="0"/>
-              <a:t>11/22/2021</a:t>
+              <a:t>11/29/2021</a:t>
             </a:fld>
             <a:endParaRPr lang="en-US"/>
           </a:p>
@@ -665,7 +666,7 @@
           <a:p>
             <a:fld id="{B9DB79A2-7FE3-42BF-89B9-2478ECA01F93}" type="datetimeFigureOut">
               <a:rPr lang="en-US" smtClean="0"/>
-              <a:t>11/22/2021</a:t>
+              <a:t>11/29/2021</a:t>
             </a:fld>
             <a:endParaRPr lang="en-US"/>
           </a:p>
@@ -863,7 +864,7 @@
           <a:p>
             <a:fld id="{B9DB79A2-7FE3-42BF-89B9-2478ECA01F93}" type="datetimeFigureOut">
               <a:rPr lang="en-US" smtClean="0"/>
-              <a:t>11/22/2021</a:t>
+              <a:t>11/29/2021</a:t>
             </a:fld>
             <a:endParaRPr lang="en-US"/>
           </a:p>
@@ -1138,7 +1139,7 @@
           <a:p>
             <a:fld id="{B9DB79A2-7FE3-42BF-89B9-2478ECA01F93}" type="datetimeFigureOut">
               <a:rPr lang="en-US" smtClean="0"/>
-              <a:t>11/22/2021</a:t>
+              <a:t>11/29/2021</a:t>
             </a:fld>
             <a:endParaRPr lang="en-US"/>
           </a:p>
@@ -1403,7 +1404,7 @@
           <a:p>
             <a:fld id="{B9DB79A2-7FE3-42BF-89B9-2478ECA01F93}" type="datetimeFigureOut">
               <a:rPr lang="en-US" smtClean="0"/>
-              <a:t>11/22/2021</a:t>
+              <a:t>11/29/2021</a:t>
             </a:fld>
             <a:endParaRPr lang="en-US"/>
           </a:p>
@@ -1815,7 +1816,7 @@
           <a:p>
             <a:fld id="{B9DB79A2-7FE3-42BF-89B9-2478ECA01F93}" type="datetimeFigureOut">
               <a:rPr lang="en-US" smtClean="0"/>
-              <a:t>11/22/2021</a:t>
+              <a:t>11/29/2021</a:t>
             </a:fld>
             <a:endParaRPr lang="en-US"/>
           </a:p>
@@ -1956,7 +1957,7 @@
           <a:p>
             <a:fld id="{B9DB79A2-7FE3-42BF-89B9-2478ECA01F93}" type="datetimeFigureOut">
               <a:rPr lang="en-US" smtClean="0"/>
-              <a:t>11/22/2021</a:t>
+              <a:t>11/29/2021</a:t>
             </a:fld>
             <a:endParaRPr lang="en-US"/>
           </a:p>
@@ -2069,7 +2070,7 @@
           <a:p>
             <a:fld id="{B9DB79A2-7FE3-42BF-89B9-2478ECA01F93}" type="datetimeFigureOut">
               <a:rPr lang="en-US" smtClean="0"/>
-              <a:t>11/22/2021</a:t>
+              <a:t>11/29/2021</a:t>
             </a:fld>
             <a:endParaRPr lang="en-US"/>
           </a:p>
@@ -2380,7 +2381,7 @@
           <a:p>
             <a:fld id="{B9DB79A2-7FE3-42BF-89B9-2478ECA01F93}" type="datetimeFigureOut">
               <a:rPr lang="en-US" smtClean="0"/>
-              <a:t>11/22/2021</a:t>
+              <a:t>11/29/2021</a:t>
             </a:fld>
             <a:endParaRPr lang="en-US"/>
           </a:p>
@@ -2668,7 +2669,7 @@
           <a:p>
             <a:fld id="{B9DB79A2-7FE3-42BF-89B9-2478ECA01F93}" type="datetimeFigureOut">
               <a:rPr lang="en-US" smtClean="0"/>
-              <a:t>11/22/2021</a:t>
+              <a:t>11/29/2021</a:t>
             </a:fld>
             <a:endParaRPr lang="en-US"/>
           </a:p>
@@ -2909,7 +2910,7 @@
           <a:p>
             <a:fld id="{B9DB79A2-7FE3-42BF-89B9-2478ECA01F93}" type="datetimeFigureOut">
               <a:rPr lang="en-US" smtClean="0"/>
-              <a:t>11/22/2021</a:t>
+              <a:t>11/29/2021</a:t>
             </a:fld>
             <a:endParaRPr lang="en-US"/>
           </a:p>
@@ -3340,7 +3341,7 @@
         </p:nvSpPr>
         <p:spPr>
           <a:xfrm>
-            <a:off x="1688194" y="487301"/>
+            <a:off x="722994" y="842901"/>
             <a:ext cx="7203033" cy="2215991"/>
           </a:xfrm>
           <a:prstGeom prst="rect">
@@ -3458,6 +3459,1712 @@
     <p:extLst>
       <p:ext uri="{BB962C8B-B14F-4D97-AF65-F5344CB8AC3E}">
         <p14:creationId xmlns:p14="http://schemas.microsoft.com/office/powerpoint/2010/main" val="932568066"/>
+      </p:ext>
+    </p:extLst>
+  </p:cSld>
+  <p:clrMapOvr>
+    <a:masterClrMapping/>
+  </p:clrMapOvr>
+</p:sld>
+</file>
+
+<file path=ppt/slides/slide2.xml><?xml version="1.0" encoding="utf-8"?>
+<p:sld xmlns:a="http://schemas.openxmlformats.org/drawingml/2006/main" xmlns:r="http://schemas.openxmlformats.org/officeDocument/2006/relationships" xmlns:p="http://schemas.openxmlformats.org/presentationml/2006/main">
+  <p:cSld>
+    <p:spTree>
+      <p:nvGrpSpPr>
+        <p:cNvPr id="1" name=""/>
+        <p:cNvGrpSpPr/>
+        <p:nvPr/>
+      </p:nvGrpSpPr>
+      <p:grpSpPr>
+        <a:xfrm>
+          <a:off x="0" y="0"/>
+          <a:ext cx="0" cy="0"/>
+          <a:chOff x="0" y="0"/>
+          <a:chExt cx="0" cy="0"/>
+        </a:xfrm>
+      </p:grpSpPr>
+      <p:cxnSp>
+        <p:nvCxnSpPr>
+          <p:cNvPr id="5" name="Straight Connector 4">
+            <a:extLst>
+              <a:ext uri="{FF2B5EF4-FFF2-40B4-BE49-F238E27FC236}">
+                <a16:creationId xmlns:a16="http://schemas.microsoft.com/office/drawing/2014/main" id="{E33F36EF-12EC-496A-89AF-C9F6F7CDD416}"/>
+              </a:ext>
+            </a:extLst>
+          </p:cNvPr>
+          <p:cNvCxnSpPr>
+            <a:cxnSpLocks/>
+          </p:cNvCxnSpPr>
+          <p:nvPr/>
+        </p:nvCxnSpPr>
+        <p:spPr>
+          <a:xfrm>
+            <a:off x="1012658" y="1023457"/>
+            <a:ext cx="0" cy="1686187"/>
+          </a:xfrm>
+          <a:prstGeom prst="line">
+            <a:avLst/>
+          </a:prstGeom>
+          <a:ln w="28575">
+            <a:solidFill>
+              <a:schemeClr val="tx1"/>
+            </a:solidFill>
+          </a:ln>
+        </p:spPr>
+        <p:style>
+          <a:lnRef idx="1">
+            <a:schemeClr val="accent1"/>
+          </a:lnRef>
+          <a:fillRef idx="0">
+            <a:schemeClr val="accent1"/>
+          </a:fillRef>
+          <a:effectRef idx="0">
+            <a:schemeClr val="accent1"/>
+          </a:effectRef>
+          <a:fontRef idx="minor">
+            <a:schemeClr val="tx1"/>
+          </a:fontRef>
+        </p:style>
+      </p:cxnSp>
+      <p:cxnSp>
+        <p:nvCxnSpPr>
+          <p:cNvPr id="6" name="Straight Connector 5">
+            <a:extLst>
+              <a:ext uri="{FF2B5EF4-FFF2-40B4-BE49-F238E27FC236}">
+                <a16:creationId xmlns:a16="http://schemas.microsoft.com/office/drawing/2014/main" id="{3A1AB298-9B27-4745-895C-A3EBE6BDE7C9}"/>
+              </a:ext>
+            </a:extLst>
+          </p:cNvPr>
+          <p:cNvCxnSpPr>
+            <a:cxnSpLocks/>
+          </p:cNvCxnSpPr>
+          <p:nvPr/>
+        </p:nvCxnSpPr>
+        <p:spPr>
+          <a:xfrm>
+            <a:off x="1436446" y="1023457"/>
+            <a:ext cx="0" cy="1686187"/>
+          </a:xfrm>
+          <a:prstGeom prst="line">
+            <a:avLst/>
+          </a:prstGeom>
+          <a:ln w="28575">
+            <a:solidFill>
+              <a:schemeClr val="tx1"/>
+            </a:solidFill>
+          </a:ln>
+        </p:spPr>
+        <p:style>
+          <a:lnRef idx="1">
+            <a:schemeClr val="accent1"/>
+          </a:lnRef>
+          <a:fillRef idx="0">
+            <a:schemeClr val="accent1"/>
+          </a:fillRef>
+          <a:effectRef idx="0">
+            <a:schemeClr val="accent1"/>
+          </a:effectRef>
+          <a:fontRef idx="minor">
+            <a:schemeClr val="tx1"/>
+          </a:fontRef>
+        </p:style>
+      </p:cxnSp>
+      <p:cxnSp>
+        <p:nvCxnSpPr>
+          <p:cNvPr id="7" name="Straight Connector 6">
+            <a:extLst>
+              <a:ext uri="{FF2B5EF4-FFF2-40B4-BE49-F238E27FC236}">
+                <a16:creationId xmlns:a16="http://schemas.microsoft.com/office/drawing/2014/main" id="{D5F50E64-0DFA-419C-84F8-533970562981}"/>
+              </a:ext>
+            </a:extLst>
+          </p:cNvPr>
+          <p:cNvCxnSpPr>
+            <a:cxnSpLocks/>
+          </p:cNvCxnSpPr>
+          <p:nvPr/>
+        </p:nvCxnSpPr>
+        <p:spPr>
+          <a:xfrm>
+            <a:off x="592728" y="1023457"/>
+            <a:ext cx="0" cy="1686187"/>
+          </a:xfrm>
+          <a:prstGeom prst="line">
+            <a:avLst/>
+          </a:prstGeom>
+          <a:ln w="28575">
+            <a:solidFill>
+              <a:schemeClr val="tx1"/>
+            </a:solidFill>
+          </a:ln>
+        </p:spPr>
+        <p:style>
+          <a:lnRef idx="1">
+            <a:schemeClr val="accent1"/>
+          </a:lnRef>
+          <a:fillRef idx="0">
+            <a:schemeClr val="accent1"/>
+          </a:fillRef>
+          <a:effectRef idx="0">
+            <a:schemeClr val="accent1"/>
+          </a:effectRef>
+          <a:fontRef idx="minor">
+            <a:schemeClr val="tx1"/>
+          </a:fontRef>
+        </p:style>
+      </p:cxnSp>
+      <p:cxnSp>
+        <p:nvCxnSpPr>
+          <p:cNvPr id="8" name="Straight Connector 7">
+            <a:extLst>
+              <a:ext uri="{FF2B5EF4-FFF2-40B4-BE49-F238E27FC236}">
+                <a16:creationId xmlns:a16="http://schemas.microsoft.com/office/drawing/2014/main" id="{BD284D71-4956-4558-8C3B-54BE2E4E5B86}"/>
+              </a:ext>
+            </a:extLst>
+          </p:cNvPr>
+          <p:cNvCxnSpPr>
+            <a:cxnSpLocks/>
+          </p:cNvCxnSpPr>
+          <p:nvPr/>
+        </p:nvCxnSpPr>
+        <p:spPr>
+          <a:xfrm>
+            <a:off x="1839671" y="1023457"/>
+            <a:ext cx="0" cy="1686187"/>
+          </a:xfrm>
+          <a:prstGeom prst="line">
+            <a:avLst/>
+          </a:prstGeom>
+          <a:ln w="28575">
+            <a:solidFill>
+              <a:schemeClr val="tx1"/>
+            </a:solidFill>
+          </a:ln>
+        </p:spPr>
+        <p:style>
+          <a:lnRef idx="1">
+            <a:schemeClr val="accent1"/>
+          </a:lnRef>
+          <a:fillRef idx="0">
+            <a:schemeClr val="accent1"/>
+          </a:fillRef>
+          <a:effectRef idx="0">
+            <a:schemeClr val="accent1"/>
+          </a:effectRef>
+          <a:fontRef idx="minor">
+            <a:schemeClr val="tx1"/>
+          </a:fontRef>
+        </p:style>
+      </p:cxnSp>
+      <p:cxnSp>
+        <p:nvCxnSpPr>
+          <p:cNvPr id="9" name="Straight Connector 8">
+            <a:extLst>
+              <a:ext uri="{FF2B5EF4-FFF2-40B4-BE49-F238E27FC236}">
+                <a16:creationId xmlns:a16="http://schemas.microsoft.com/office/drawing/2014/main" id="{2505403B-9DEE-478E-ACF8-1EB19AB396A0}"/>
+              </a:ext>
+            </a:extLst>
+          </p:cNvPr>
+          <p:cNvCxnSpPr>
+            <a:cxnSpLocks/>
+          </p:cNvCxnSpPr>
+          <p:nvPr/>
+        </p:nvCxnSpPr>
+        <p:spPr>
+          <a:xfrm>
+            <a:off x="581612" y="1036157"/>
+            <a:ext cx="1258059" cy="0"/>
+          </a:xfrm>
+          <a:prstGeom prst="line">
+            <a:avLst/>
+          </a:prstGeom>
+          <a:ln w="28575">
+            <a:solidFill>
+              <a:schemeClr val="tx1"/>
+            </a:solidFill>
+          </a:ln>
+        </p:spPr>
+        <p:style>
+          <a:lnRef idx="1">
+            <a:schemeClr val="accent1"/>
+          </a:lnRef>
+          <a:fillRef idx="0">
+            <a:schemeClr val="accent1"/>
+          </a:fillRef>
+          <a:effectRef idx="0">
+            <a:schemeClr val="accent1"/>
+          </a:effectRef>
+          <a:fontRef idx="minor">
+            <a:schemeClr val="tx1"/>
+          </a:fontRef>
+        </p:style>
+      </p:cxnSp>
+      <p:cxnSp>
+        <p:nvCxnSpPr>
+          <p:cNvPr id="10" name="Straight Connector 9">
+            <a:extLst>
+              <a:ext uri="{FF2B5EF4-FFF2-40B4-BE49-F238E27FC236}">
+                <a16:creationId xmlns:a16="http://schemas.microsoft.com/office/drawing/2014/main" id="{CA1ABDAE-02EE-43EF-B207-003C49F55C5D}"/>
+              </a:ext>
+            </a:extLst>
+          </p:cNvPr>
+          <p:cNvCxnSpPr>
+            <a:cxnSpLocks/>
+          </p:cNvCxnSpPr>
+          <p:nvPr/>
+        </p:nvCxnSpPr>
+        <p:spPr>
+          <a:xfrm>
+            <a:off x="580823" y="2696464"/>
+            <a:ext cx="1258848" cy="0"/>
+          </a:xfrm>
+          <a:prstGeom prst="line">
+            <a:avLst/>
+          </a:prstGeom>
+          <a:ln w="28575">
+            <a:solidFill>
+              <a:schemeClr val="tx1"/>
+            </a:solidFill>
+          </a:ln>
+        </p:spPr>
+        <p:style>
+          <a:lnRef idx="1">
+            <a:schemeClr val="accent1"/>
+          </a:lnRef>
+          <a:fillRef idx="0">
+            <a:schemeClr val="accent1"/>
+          </a:fillRef>
+          <a:effectRef idx="0">
+            <a:schemeClr val="accent1"/>
+          </a:effectRef>
+          <a:fontRef idx="minor">
+            <a:schemeClr val="tx1"/>
+          </a:fontRef>
+        </p:style>
+      </p:cxnSp>
+      <p:cxnSp>
+        <p:nvCxnSpPr>
+          <p:cNvPr id="11" name="Straight Connector 10">
+            <a:extLst>
+              <a:ext uri="{FF2B5EF4-FFF2-40B4-BE49-F238E27FC236}">
+                <a16:creationId xmlns:a16="http://schemas.microsoft.com/office/drawing/2014/main" id="{7E8AFFF7-2EB2-43D6-82D2-C52A7E98C534}"/>
+              </a:ext>
+            </a:extLst>
+          </p:cNvPr>
+          <p:cNvCxnSpPr>
+            <a:cxnSpLocks/>
+          </p:cNvCxnSpPr>
+          <p:nvPr/>
+        </p:nvCxnSpPr>
+        <p:spPr>
+          <a:xfrm>
+            <a:off x="581612" y="2144807"/>
+            <a:ext cx="1258059" cy="0"/>
+          </a:xfrm>
+          <a:prstGeom prst="line">
+            <a:avLst/>
+          </a:prstGeom>
+          <a:ln w="28575">
+            <a:solidFill>
+              <a:schemeClr val="tx1"/>
+            </a:solidFill>
+          </a:ln>
+        </p:spPr>
+        <p:style>
+          <a:lnRef idx="1">
+            <a:schemeClr val="accent1"/>
+          </a:lnRef>
+          <a:fillRef idx="0">
+            <a:schemeClr val="accent1"/>
+          </a:fillRef>
+          <a:effectRef idx="0">
+            <a:schemeClr val="accent1"/>
+          </a:effectRef>
+          <a:fontRef idx="minor">
+            <a:schemeClr val="tx1"/>
+          </a:fontRef>
+        </p:style>
+      </p:cxnSp>
+      <p:cxnSp>
+        <p:nvCxnSpPr>
+          <p:cNvPr id="12" name="Straight Connector 11">
+            <a:extLst>
+              <a:ext uri="{FF2B5EF4-FFF2-40B4-BE49-F238E27FC236}">
+                <a16:creationId xmlns:a16="http://schemas.microsoft.com/office/drawing/2014/main" id="{45E0B6D9-63DA-4F79-99C1-FFD2EAF8AEE4}"/>
+              </a:ext>
+            </a:extLst>
+          </p:cNvPr>
+          <p:cNvCxnSpPr>
+            <a:cxnSpLocks/>
+          </p:cNvCxnSpPr>
+          <p:nvPr/>
+        </p:nvCxnSpPr>
+        <p:spPr>
+          <a:xfrm>
+            <a:off x="581612" y="1572514"/>
+            <a:ext cx="1258059" cy="0"/>
+          </a:xfrm>
+          <a:prstGeom prst="line">
+            <a:avLst/>
+          </a:prstGeom>
+          <a:ln w="28575">
+            <a:solidFill>
+              <a:schemeClr val="tx1"/>
+            </a:solidFill>
+          </a:ln>
+        </p:spPr>
+        <p:style>
+          <a:lnRef idx="1">
+            <a:schemeClr val="accent1"/>
+          </a:lnRef>
+          <a:fillRef idx="0">
+            <a:schemeClr val="accent1"/>
+          </a:fillRef>
+          <a:effectRef idx="0">
+            <a:schemeClr val="accent1"/>
+          </a:effectRef>
+          <a:fontRef idx="minor">
+            <a:schemeClr val="tx1"/>
+          </a:fontRef>
+        </p:style>
+      </p:cxnSp>
+      <p:grpSp>
+        <p:nvGrpSpPr>
+          <p:cNvPr id="80" name="Group 79">
+            <a:extLst>
+              <a:ext uri="{FF2B5EF4-FFF2-40B4-BE49-F238E27FC236}">
+                <a16:creationId xmlns:a16="http://schemas.microsoft.com/office/drawing/2014/main" id="{DA0C6E95-F145-49FD-9AF9-2E361C2513F9}"/>
+              </a:ext>
+            </a:extLst>
+          </p:cNvPr>
+          <p:cNvGrpSpPr/>
+          <p:nvPr/>
+        </p:nvGrpSpPr>
+        <p:grpSpPr>
+          <a:xfrm>
+            <a:off x="4368427" y="1525106"/>
+            <a:ext cx="1695230" cy="1686188"/>
+            <a:chOff x="4368427" y="1525106"/>
+            <a:chExt cx="1695230" cy="1686188"/>
+          </a:xfrm>
+        </p:grpSpPr>
+        <p:cxnSp>
+          <p:nvCxnSpPr>
+            <p:cNvPr id="13" name="Straight Connector 12">
+              <a:extLst>
+                <a:ext uri="{FF2B5EF4-FFF2-40B4-BE49-F238E27FC236}">
+                  <a16:creationId xmlns:a16="http://schemas.microsoft.com/office/drawing/2014/main" id="{829A5947-096D-4006-96FC-D23C7E52E77A}"/>
+                </a:ext>
+              </a:extLst>
+            </p:cNvPr>
+            <p:cNvCxnSpPr>
+              <a:cxnSpLocks/>
+            </p:cNvCxnSpPr>
+            <p:nvPr/>
+          </p:nvCxnSpPr>
+          <p:spPr>
+            <a:xfrm>
+              <a:off x="5211521" y="1525107"/>
+              <a:ext cx="0" cy="1686187"/>
+            </a:xfrm>
+            <a:prstGeom prst="line">
+              <a:avLst/>
+            </a:prstGeom>
+            <a:ln w="28575">
+              <a:solidFill>
+                <a:schemeClr val="tx1"/>
+              </a:solidFill>
+            </a:ln>
+          </p:spPr>
+          <p:style>
+            <a:lnRef idx="1">
+              <a:schemeClr val="accent1"/>
+            </a:lnRef>
+            <a:fillRef idx="0">
+              <a:schemeClr val="accent1"/>
+            </a:fillRef>
+            <a:effectRef idx="0">
+              <a:schemeClr val="accent1"/>
+            </a:effectRef>
+            <a:fontRef idx="minor">
+              <a:schemeClr val="tx1"/>
+            </a:fontRef>
+          </p:style>
+        </p:cxnSp>
+        <p:cxnSp>
+          <p:nvCxnSpPr>
+            <p:cNvPr id="15" name="Straight Connector 14">
+              <a:extLst>
+                <a:ext uri="{FF2B5EF4-FFF2-40B4-BE49-F238E27FC236}">
+                  <a16:creationId xmlns:a16="http://schemas.microsoft.com/office/drawing/2014/main" id="{36D79064-6723-467A-B4D4-CAD47C197B5C}"/>
+                </a:ext>
+              </a:extLst>
+            </p:cNvPr>
+            <p:cNvCxnSpPr>
+              <a:cxnSpLocks/>
+            </p:cNvCxnSpPr>
+            <p:nvPr/>
+          </p:nvCxnSpPr>
+          <p:spPr>
+            <a:xfrm rot="3600000">
+              <a:off x="5211521" y="1525107"/>
+              <a:ext cx="0" cy="1686187"/>
+            </a:xfrm>
+            <a:prstGeom prst="line">
+              <a:avLst/>
+            </a:prstGeom>
+            <a:ln w="28575">
+              <a:solidFill>
+                <a:schemeClr val="tx1"/>
+              </a:solidFill>
+            </a:ln>
+          </p:spPr>
+          <p:style>
+            <a:lnRef idx="1">
+              <a:schemeClr val="accent1"/>
+            </a:lnRef>
+            <a:fillRef idx="0">
+              <a:schemeClr val="accent1"/>
+            </a:fillRef>
+            <a:effectRef idx="0">
+              <a:schemeClr val="accent1"/>
+            </a:effectRef>
+            <a:fontRef idx="minor">
+              <a:schemeClr val="tx1"/>
+            </a:fontRef>
+          </p:style>
+        </p:cxnSp>
+        <p:cxnSp>
+          <p:nvCxnSpPr>
+            <p:cNvPr id="16" name="Straight Connector 15">
+              <a:extLst>
+                <a:ext uri="{FF2B5EF4-FFF2-40B4-BE49-F238E27FC236}">
+                  <a16:creationId xmlns:a16="http://schemas.microsoft.com/office/drawing/2014/main" id="{2C3F107B-7CBA-4A33-A2BE-F6D6E0469156}"/>
+                </a:ext>
+              </a:extLst>
+            </p:cNvPr>
+            <p:cNvCxnSpPr>
+              <a:cxnSpLocks/>
+            </p:cNvCxnSpPr>
+            <p:nvPr/>
+          </p:nvCxnSpPr>
+          <p:spPr>
+            <a:xfrm rot="5400000">
+              <a:off x="5220563" y="1525107"/>
+              <a:ext cx="0" cy="1686187"/>
+            </a:xfrm>
+            <a:prstGeom prst="line">
+              <a:avLst/>
+            </a:prstGeom>
+            <a:ln w="28575">
+              <a:solidFill>
+                <a:schemeClr val="tx1"/>
+              </a:solidFill>
+            </a:ln>
+          </p:spPr>
+          <p:style>
+            <a:lnRef idx="1">
+              <a:schemeClr val="accent1"/>
+            </a:lnRef>
+            <a:fillRef idx="0">
+              <a:schemeClr val="accent1"/>
+            </a:fillRef>
+            <a:effectRef idx="0">
+              <a:schemeClr val="accent1"/>
+            </a:effectRef>
+            <a:fontRef idx="minor">
+              <a:schemeClr val="tx1"/>
+            </a:fontRef>
+          </p:style>
+        </p:cxnSp>
+        <p:cxnSp>
+          <p:nvCxnSpPr>
+            <p:cNvPr id="17" name="Straight Connector 16">
+              <a:extLst>
+                <a:ext uri="{FF2B5EF4-FFF2-40B4-BE49-F238E27FC236}">
+                  <a16:creationId xmlns:a16="http://schemas.microsoft.com/office/drawing/2014/main" id="{AD1F2BB9-5308-4292-A628-5F00C54E5C59}"/>
+                </a:ext>
+              </a:extLst>
+            </p:cNvPr>
+            <p:cNvCxnSpPr>
+              <a:cxnSpLocks/>
+            </p:cNvCxnSpPr>
+            <p:nvPr/>
+          </p:nvCxnSpPr>
+          <p:spPr>
+            <a:xfrm rot="7200000">
+              <a:off x="5211521" y="1525107"/>
+              <a:ext cx="0" cy="1686187"/>
+            </a:xfrm>
+            <a:prstGeom prst="line">
+              <a:avLst/>
+            </a:prstGeom>
+            <a:ln w="28575">
+              <a:solidFill>
+                <a:schemeClr val="tx1"/>
+              </a:solidFill>
+            </a:ln>
+          </p:spPr>
+          <p:style>
+            <a:lnRef idx="1">
+              <a:schemeClr val="accent1"/>
+            </a:lnRef>
+            <a:fillRef idx="0">
+              <a:schemeClr val="accent1"/>
+            </a:fillRef>
+            <a:effectRef idx="0">
+              <a:schemeClr val="accent1"/>
+            </a:effectRef>
+            <a:fontRef idx="minor">
+              <a:schemeClr val="tx1"/>
+            </a:fontRef>
+          </p:style>
+        </p:cxnSp>
+        <p:cxnSp>
+          <p:nvCxnSpPr>
+            <p:cNvPr id="18" name="Straight Connector 17">
+              <a:extLst>
+                <a:ext uri="{FF2B5EF4-FFF2-40B4-BE49-F238E27FC236}">
+                  <a16:creationId xmlns:a16="http://schemas.microsoft.com/office/drawing/2014/main" id="{309C592A-4B6F-40E2-91C9-A418379C2146}"/>
+                </a:ext>
+              </a:extLst>
+            </p:cNvPr>
+            <p:cNvCxnSpPr>
+              <a:cxnSpLocks/>
+            </p:cNvCxnSpPr>
+            <p:nvPr/>
+          </p:nvCxnSpPr>
+          <p:spPr>
+            <a:xfrm rot="9000000">
+              <a:off x="5211521" y="1525106"/>
+              <a:ext cx="0" cy="1686187"/>
+            </a:xfrm>
+            <a:prstGeom prst="line">
+              <a:avLst/>
+            </a:prstGeom>
+            <a:ln w="28575">
+              <a:solidFill>
+                <a:schemeClr val="tx1"/>
+              </a:solidFill>
+            </a:ln>
+          </p:spPr>
+          <p:style>
+            <a:lnRef idx="1">
+              <a:schemeClr val="accent1"/>
+            </a:lnRef>
+            <a:fillRef idx="0">
+              <a:schemeClr val="accent1"/>
+            </a:fillRef>
+            <a:effectRef idx="0">
+              <a:schemeClr val="accent1"/>
+            </a:effectRef>
+            <a:fontRef idx="minor">
+              <a:schemeClr val="tx1"/>
+            </a:fontRef>
+          </p:style>
+        </p:cxnSp>
+        <p:cxnSp>
+          <p:nvCxnSpPr>
+            <p:cNvPr id="19" name="Straight Connector 18">
+              <a:extLst>
+                <a:ext uri="{FF2B5EF4-FFF2-40B4-BE49-F238E27FC236}">
+                  <a16:creationId xmlns:a16="http://schemas.microsoft.com/office/drawing/2014/main" id="{A7933D0D-0D6C-4216-B227-CEC65EBE754A}"/>
+                </a:ext>
+              </a:extLst>
+            </p:cNvPr>
+            <p:cNvCxnSpPr>
+              <a:cxnSpLocks/>
+            </p:cNvCxnSpPr>
+            <p:nvPr/>
+          </p:nvCxnSpPr>
+          <p:spPr>
+            <a:xfrm rot="1800000">
+              <a:off x="5212867" y="1525107"/>
+              <a:ext cx="0" cy="1686187"/>
+            </a:xfrm>
+            <a:prstGeom prst="line">
+              <a:avLst/>
+            </a:prstGeom>
+            <a:ln w="28575">
+              <a:solidFill>
+                <a:schemeClr val="tx1"/>
+              </a:solidFill>
+            </a:ln>
+          </p:spPr>
+          <p:style>
+            <a:lnRef idx="1">
+              <a:schemeClr val="accent1"/>
+            </a:lnRef>
+            <a:fillRef idx="0">
+              <a:schemeClr val="accent1"/>
+            </a:fillRef>
+            <a:effectRef idx="0">
+              <a:schemeClr val="accent1"/>
+            </a:effectRef>
+            <a:fontRef idx="minor">
+              <a:schemeClr val="tx1"/>
+            </a:fontRef>
+          </p:style>
+        </p:cxnSp>
+        <p:cxnSp>
+          <p:nvCxnSpPr>
+            <p:cNvPr id="20" name="Straight Connector 19">
+              <a:extLst>
+                <a:ext uri="{FF2B5EF4-FFF2-40B4-BE49-F238E27FC236}">
+                  <a16:creationId xmlns:a16="http://schemas.microsoft.com/office/drawing/2014/main" id="{B9291569-76F1-4740-8C64-45D9C2BC0367}"/>
+                </a:ext>
+              </a:extLst>
+            </p:cNvPr>
+            <p:cNvCxnSpPr>
+              <a:cxnSpLocks/>
+            </p:cNvCxnSpPr>
+            <p:nvPr/>
+          </p:nvCxnSpPr>
+          <p:spPr>
+            <a:xfrm flipH="1">
+              <a:off x="4788628" y="1534632"/>
+              <a:ext cx="422894" cy="108730"/>
+            </a:xfrm>
+            <a:prstGeom prst="line">
+              <a:avLst/>
+            </a:prstGeom>
+            <a:ln w="28575">
+              <a:solidFill>
+                <a:schemeClr val="tx1"/>
+              </a:solidFill>
+            </a:ln>
+          </p:spPr>
+          <p:style>
+            <a:lnRef idx="1">
+              <a:schemeClr val="accent1"/>
+            </a:lnRef>
+            <a:fillRef idx="0">
+              <a:schemeClr val="accent1"/>
+            </a:fillRef>
+            <a:effectRef idx="0">
+              <a:schemeClr val="accent1"/>
+            </a:effectRef>
+            <a:fontRef idx="minor">
+              <a:schemeClr val="tx1"/>
+            </a:fontRef>
+          </p:style>
+        </p:cxnSp>
+        <p:cxnSp>
+          <p:nvCxnSpPr>
+            <p:cNvPr id="22" name="Straight Connector 21">
+              <a:extLst>
+                <a:ext uri="{FF2B5EF4-FFF2-40B4-BE49-F238E27FC236}">
+                  <a16:creationId xmlns:a16="http://schemas.microsoft.com/office/drawing/2014/main" id="{2D897050-A9DD-4889-B3A4-28341B22CFB4}"/>
+                </a:ext>
+              </a:extLst>
+            </p:cNvPr>
+            <p:cNvCxnSpPr>
+              <a:cxnSpLocks/>
+            </p:cNvCxnSpPr>
+            <p:nvPr/>
+          </p:nvCxnSpPr>
+          <p:spPr>
+            <a:xfrm flipH="1">
+              <a:off x="4486572" y="1642497"/>
+              <a:ext cx="309094" cy="304155"/>
+            </a:xfrm>
+            <a:prstGeom prst="line">
+              <a:avLst/>
+            </a:prstGeom>
+            <a:ln w="28575">
+              <a:solidFill>
+                <a:schemeClr val="tx1"/>
+              </a:solidFill>
+            </a:ln>
+          </p:spPr>
+          <p:style>
+            <a:lnRef idx="1">
+              <a:schemeClr val="accent1"/>
+            </a:lnRef>
+            <a:fillRef idx="0">
+              <a:schemeClr val="accent1"/>
+            </a:fillRef>
+            <a:effectRef idx="0">
+              <a:schemeClr val="accent1"/>
+            </a:effectRef>
+            <a:fontRef idx="minor">
+              <a:schemeClr val="tx1"/>
+            </a:fontRef>
+          </p:style>
+        </p:cxnSp>
+        <p:cxnSp>
+          <p:nvCxnSpPr>
+            <p:cNvPr id="24" name="Straight Connector 23">
+              <a:extLst>
+                <a:ext uri="{FF2B5EF4-FFF2-40B4-BE49-F238E27FC236}">
+                  <a16:creationId xmlns:a16="http://schemas.microsoft.com/office/drawing/2014/main" id="{D6694682-256B-4B5B-9595-F62B895BDA87}"/>
+                </a:ext>
+              </a:extLst>
+            </p:cNvPr>
+            <p:cNvCxnSpPr>
+              <a:cxnSpLocks/>
+            </p:cNvCxnSpPr>
+            <p:nvPr/>
+          </p:nvCxnSpPr>
+          <p:spPr>
+            <a:xfrm flipH="1">
+              <a:off x="4384509" y="1937127"/>
+              <a:ext cx="106698" cy="437799"/>
+            </a:xfrm>
+            <a:prstGeom prst="line">
+              <a:avLst/>
+            </a:prstGeom>
+            <a:ln w="28575">
+              <a:solidFill>
+                <a:schemeClr val="tx1"/>
+              </a:solidFill>
+            </a:ln>
+          </p:spPr>
+          <p:style>
+            <a:lnRef idx="1">
+              <a:schemeClr val="accent1"/>
+            </a:lnRef>
+            <a:fillRef idx="0">
+              <a:schemeClr val="accent1"/>
+            </a:fillRef>
+            <a:effectRef idx="0">
+              <a:schemeClr val="accent1"/>
+            </a:effectRef>
+            <a:fontRef idx="minor">
+              <a:schemeClr val="tx1"/>
+            </a:fontRef>
+          </p:style>
+        </p:cxnSp>
+        <p:cxnSp>
+          <p:nvCxnSpPr>
+            <p:cNvPr id="26" name="Straight Connector 25">
+              <a:extLst>
+                <a:ext uri="{FF2B5EF4-FFF2-40B4-BE49-F238E27FC236}">
+                  <a16:creationId xmlns:a16="http://schemas.microsoft.com/office/drawing/2014/main" id="{292DA944-D73E-4327-B2D8-A1E5211B447D}"/>
+                </a:ext>
+              </a:extLst>
+            </p:cNvPr>
+            <p:cNvCxnSpPr>
+              <a:cxnSpLocks/>
+            </p:cNvCxnSpPr>
+            <p:nvPr/>
+          </p:nvCxnSpPr>
+          <p:spPr>
+            <a:xfrm>
+              <a:off x="4383162" y="2368199"/>
+              <a:ext cx="107254" cy="421549"/>
+            </a:xfrm>
+            <a:prstGeom prst="line">
+              <a:avLst/>
+            </a:prstGeom>
+            <a:ln w="28575">
+              <a:solidFill>
+                <a:schemeClr val="tx1"/>
+              </a:solidFill>
+            </a:ln>
+          </p:spPr>
+          <p:style>
+            <a:lnRef idx="1">
+              <a:schemeClr val="accent1"/>
+            </a:lnRef>
+            <a:fillRef idx="0">
+              <a:schemeClr val="accent1"/>
+            </a:fillRef>
+            <a:effectRef idx="0">
+              <a:schemeClr val="accent1"/>
+            </a:effectRef>
+            <a:fontRef idx="minor">
+              <a:schemeClr val="tx1"/>
+            </a:fontRef>
+          </p:style>
+        </p:cxnSp>
+        <p:cxnSp>
+          <p:nvCxnSpPr>
+            <p:cNvPr id="29" name="Straight Connector 28">
+              <a:extLst>
+                <a:ext uri="{FF2B5EF4-FFF2-40B4-BE49-F238E27FC236}">
+                  <a16:creationId xmlns:a16="http://schemas.microsoft.com/office/drawing/2014/main" id="{82898525-C7C3-4A8C-B0D7-9953273F5390}"/>
+                </a:ext>
+              </a:extLst>
+            </p:cNvPr>
+            <p:cNvCxnSpPr>
+              <a:cxnSpLocks/>
+            </p:cNvCxnSpPr>
+            <p:nvPr/>
+          </p:nvCxnSpPr>
+          <p:spPr>
+            <a:xfrm>
+              <a:off x="4479377" y="2776860"/>
+              <a:ext cx="316289" cy="311955"/>
+            </a:xfrm>
+            <a:prstGeom prst="line">
+              <a:avLst/>
+            </a:prstGeom>
+            <a:ln w="28575">
+              <a:solidFill>
+                <a:schemeClr val="tx1"/>
+              </a:solidFill>
+            </a:ln>
+          </p:spPr>
+          <p:style>
+            <a:lnRef idx="1">
+              <a:schemeClr val="accent1"/>
+            </a:lnRef>
+            <a:fillRef idx="0">
+              <a:schemeClr val="accent1"/>
+            </a:fillRef>
+            <a:effectRef idx="0">
+              <a:schemeClr val="accent1"/>
+            </a:effectRef>
+            <a:fontRef idx="minor">
+              <a:schemeClr val="tx1"/>
+            </a:fontRef>
+          </p:style>
+        </p:cxnSp>
+        <p:cxnSp>
+          <p:nvCxnSpPr>
+            <p:cNvPr id="32" name="Straight Connector 31">
+              <a:extLst>
+                <a:ext uri="{FF2B5EF4-FFF2-40B4-BE49-F238E27FC236}">
+                  <a16:creationId xmlns:a16="http://schemas.microsoft.com/office/drawing/2014/main" id="{1E9A5DCD-B592-4220-AC6B-1FAB35332A11}"/>
+                </a:ext>
+              </a:extLst>
+            </p:cNvPr>
+            <p:cNvCxnSpPr>
+              <a:cxnSpLocks/>
+            </p:cNvCxnSpPr>
+            <p:nvPr/>
+          </p:nvCxnSpPr>
+          <p:spPr>
+            <a:xfrm>
+              <a:off x="4795666" y="3088815"/>
+              <a:ext cx="424897" cy="112952"/>
+            </a:xfrm>
+            <a:prstGeom prst="line">
+              <a:avLst/>
+            </a:prstGeom>
+            <a:ln w="28575">
+              <a:solidFill>
+                <a:schemeClr val="tx1"/>
+              </a:solidFill>
+            </a:ln>
+          </p:spPr>
+          <p:style>
+            <a:lnRef idx="1">
+              <a:schemeClr val="accent1"/>
+            </a:lnRef>
+            <a:fillRef idx="0">
+              <a:schemeClr val="accent1"/>
+            </a:fillRef>
+            <a:effectRef idx="0">
+              <a:schemeClr val="accent1"/>
+            </a:effectRef>
+            <a:fontRef idx="minor">
+              <a:schemeClr val="tx1"/>
+            </a:fontRef>
+          </p:style>
+        </p:cxnSp>
+        <p:cxnSp>
+          <p:nvCxnSpPr>
+            <p:cNvPr id="35" name="Straight Connector 34">
+              <a:extLst>
+                <a:ext uri="{FF2B5EF4-FFF2-40B4-BE49-F238E27FC236}">
+                  <a16:creationId xmlns:a16="http://schemas.microsoft.com/office/drawing/2014/main" id="{E4B0B91F-699D-41D2-8A75-01418E77B8AA}"/>
+                </a:ext>
+              </a:extLst>
+            </p:cNvPr>
+            <p:cNvCxnSpPr>
+              <a:cxnSpLocks/>
+            </p:cNvCxnSpPr>
+            <p:nvPr/>
+          </p:nvCxnSpPr>
+          <p:spPr>
+            <a:xfrm flipH="1" flipV="1">
+              <a:off x="5211522" y="1534633"/>
+              <a:ext cx="422113" cy="118042"/>
+            </a:xfrm>
+            <a:prstGeom prst="line">
+              <a:avLst/>
+            </a:prstGeom>
+            <a:ln w="28575">
+              <a:solidFill>
+                <a:schemeClr val="tx1"/>
+              </a:solidFill>
+            </a:ln>
+          </p:spPr>
+          <p:style>
+            <a:lnRef idx="1">
+              <a:schemeClr val="accent1"/>
+            </a:lnRef>
+            <a:fillRef idx="0">
+              <a:schemeClr val="accent1"/>
+            </a:fillRef>
+            <a:effectRef idx="0">
+              <a:schemeClr val="accent1"/>
+            </a:effectRef>
+            <a:fontRef idx="minor">
+              <a:schemeClr val="tx1"/>
+            </a:fontRef>
+          </p:style>
+        </p:cxnSp>
+        <p:cxnSp>
+          <p:nvCxnSpPr>
+            <p:cNvPr id="38" name="Straight Connector 37">
+              <a:extLst>
+                <a:ext uri="{FF2B5EF4-FFF2-40B4-BE49-F238E27FC236}">
+                  <a16:creationId xmlns:a16="http://schemas.microsoft.com/office/drawing/2014/main" id="{F1AAA01E-B78A-4E3A-913A-69662F708493}"/>
+                </a:ext>
+              </a:extLst>
+            </p:cNvPr>
+            <p:cNvCxnSpPr>
+              <a:cxnSpLocks/>
+            </p:cNvCxnSpPr>
+            <p:nvPr/>
+          </p:nvCxnSpPr>
+          <p:spPr>
+            <a:xfrm flipH="1" flipV="1">
+              <a:off x="5619046" y="1649358"/>
+              <a:ext cx="322618" cy="306823"/>
+            </a:xfrm>
+            <a:prstGeom prst="line">
+              <a:avLst/>
+            </a:prstGeom>
+            <a:ln w="28575">
+              <a:solidFill>
+                <a:schemeClr val="tx1"/>
+              </a:solidFill>
+            </a:ln>
+          </p:spPr>
+          <p:style>
+            <a:lnRef idx="1">
+              <a:schemeClr val="accent1"/>
+            </a:lnRef>
+            <a:fillRef idx="0">
+              <a:schemeClr val="accent1"/>
+            </a:fillRef>
+            <a:effectRef idx="0">
+              <a:schemeClr val="accent1"/>
+            </a:effectRef>
+            <a:fontRef idx="minor">
+              <a:schemeClr val="tx1"/>
+            </a:fontRef>
+          </p:style>
+        </p:cxnSp>
+        <p:cxnSp>
+          <p:nvCxnSpPr>
+            <p:cNvPr id="41" name="Straight Connector 40">
+              <a:extLst>
+                <a:ext uri="{FF2B5EF4-FFF2-40B4-BE49-F238E27FC236}">
+                  <a16:creationId xmlns:a16="http://schemas.microsoft.com/office/drawing/2014/main" id="{6B5BB934-54FE-42F1-B53D-721240CC011D}"/>
+                </a:ext>
+              </a:extLst>
+            </p:cNvPr>
+            <p:cNvCxnSpPr>
+              <a:cxnSpLocks/>
+            </p:cNvCxnSpPr>
+            <p:nvPr/>
+          </p:nvCxnSpPr>
+          <p:spPr>
+            <a:xfrm flipH="1" flipV="1">
+              <a:off x="5929932" y="1946652"/>
+              <a:ext cx="133725" cy="428274"/>
+            </a:xfrm>
+            <a:prstGeom prst="line">
+              <a:avLst/>
+            </a:prstGeom>
+            <a:ln w="28575">
+              <a:solidFill>
+                <a:schemeClr val="tx1"/>
+              </a:solidFill>
+            </a:ln>
+          </p:spPr>
+          <p:style>
+            <a:lnRef idx="1">
+              <a:schemeClr val="accent1"/>
+            </a:lnRef>
+            <a:fillRef idx="0">
+              <a:schemeClr val="accent1"/>
+            </a:fillRef>
+            <a:effectRef idx="0">
+              <a:schemeClr val="accent1"/>
+            </a:effectRef>
+            <a:fontRef idx="minor">
+              <a:schemeClr val="tx1"/>
+            </a:fontRef>
+          </p:style>
+        </p:cxnSp>
+        <p:cxnSp>
+          <p:nvCxnSpPr>
+            <p:cNvPr id="45" name="Straight Connector 44">
+              <a:extLst>
+                <a:ext uri="{FF2B5EF4-FFF2-40B4-BE49-F238E27FC236}">
+                  <a16:creationId xmlns:a16="http://schemas.microsoft.com/office/drawing/2014/main" id="{91F7FF93-75DF-4814-8317-538B98E53336}"/>
+                </a:ext>
+              </a:extLst>
+            </p:cNvPr>
+            <p:cNvCxnSpPr>
+              <a:cxnSpLocks/>
+            </p:cNvCxnSpPr>
+            <p:nvPr/>
+          </p:nvCxnSpPr>
+          <p:spPr>
+            <a:xfrm flipH="1">
+              <a:off x="5941663" y="2361475"/>
+              <a:ext cx="121994" cy="428273"/>
+            </a:xfrm>
+            <a:prstGeom prst="line">
+              <a:avLst/>
+            </a:prstGeom>
+            <a:ln w="28575">
+              <a:solidFill>
+                <a:schemeClr val="tx1"/>
+              </a:solidFill>
+            </a:ln>
+          </p:spPr>
+          <p:style>
+            <a:lnRef idx="1">
+              <a:schemeClr val="accent1"/>
+            </a:lnRef>
+            <a:fillRef idx="0">
+              <a:schemeClr val="accent1"/>
+            </a:fillRef>
+            <a:effectRef idx="0">
+              <a:schemeClr val="accent1"/>
+            </a:effectRef>
+            <a:fontRef idx="minor">
+              <a:schemeClr val="tx1"/>
+            </a:fontRef>
+          </p:style>
+        </p:cxnSp>
+        <p:cxnSp>
+          <p:nvCxnSpPr>
+            <p:cNvPr id="48" name="Straight Connector 47">
+              <a:extLst>
+                <a:ext uri="{FF2B5EF4-FFF2-40B4-BE49-F238E27FC236}">
+                  <a16:creationId xmlns:a16="http://schemas.microsoft.com/office/drawing/2014/main" id="{AD1342BE-2C0A-4826-98BA-7F1A96A9DF25}"/>
+                </a:ext>
+              </a:extLst>
+            </p:cNvPr>
+            <p:cNvCxnSpPr>
+              <a:cxnSpLocks/>
+            </p:cNvCxnSpPr>
+            <p:nvPr/>
+          </p:nvCxnSpPr>
+          <p:spPr>
+            <a:xfrm flipH="1">
+              <a:off x="5626867" y="2779754"/>
+              <a:ext cx="317971" cy="309061"/>
+            </a:xfrm>
+            <a:prstGeom prst="line">
+              <a:avLst/>
+            </a:prstGeom>
+            <a:ln w="28575">
+              <a:solidFill>
+                <a:schemeClr val="tx1"/>
+              </a:solidFill>
+            </a:ln>
+          </p:spPr>
+          <p:style>
+            <a:lnRef idx="1">
+              <a:schemeClr val="accent1"/>
+            </a:lnRef>
+            <a:fillRef idx="0">
+              <a:schemeClr val="accent1"/>
+            </a:fillRef>
+            <a:effectRef idx="0">
+              <a:schemeClr val="accent1"/>
+            </a:effectRef>
+            <a:fontRef idx="minor">
+              <a:schemeClr val="tx1"/>
+            </a:fontRef>
+          </p:style>
+        </p:cxnSp>
+        <p:cxnSp>
+          <p:nvCxnSpPr>
+            <p:cNvPr id="51" name="Straight Connector 50">
+              <a:extLst>
+                <a:ext uri="{FF2B5EF4-FFF2-40B4-BE49-F238E27FC236}">
+                  <a16:creationId xmlns:a16="http://schemas.microsoft.com/office/drawing/2014/main" id="{4B4DB12E-6C55-4716-88D5-B719C9F4222E}"/>
+                </a:ext>
+              </a:extLst>
+            </p:cNvPr>
+            <p:cNvCxnSpPr>
+              <a:cxnSpLocks/>
+            </p:cNvCxnSpPr>
+            <p:nvPr/>
+          </p:nvCxnSpPr>
+          <p:spPr>
+            <a:xfrm flipH="1">
+              <a:off x="5220563" y="3086618"/>
+              <a:ext cx="413178" cy="107958"/>
+            </a:xfrm>
+            <a:prstGeom prst="line">
+              <a:avLst/>
+            </a:prstGeom>
+            <a:ln w="28575">
+              <a:solidFill>
+                <a:schemeClr val="tx1"/>
+              </a:solidFill>
+            </a:ln>
+          </p:spPr>
+          <p:style>
+            <a:lnRef idx="1">
+              <a:schemeClr val="accent1"/>
+            </a:lnRef>
+            <a:fillRef idx="0">
+              <a:schemeClr val="accent1"/>
+            </a:fillRef>
+            <a:effectRef idx="0">
+              <a:schemeClr val="accent1"/>
+            </a:effectRef>
+            <a:fontRef idx="minor">
+              <a:schemeClr val="tx1"/>
+            </a:fontRef>
+          </p:style>
+        </p:cxnSp>
+        <p:grpSp>
+          <p:nvGrpSpPr>
+            <p:cNvPr id="66" name="Group 65">
+              <a:extLst>
+                <a:ext uri="{FF2B5EF4-FFF2-40B4-BE49-F238E27FC236}">
+                  <a16:creationId xmlns:a16="http://schemas.microsoft.com/office/drawing/2014/main" id="{206E1F1F-4B75-4F5E-8913-867B8C8A9B8C}"/>
+                </a:ext>
+              </a:extLst>
+            </p:cNvPr>
+            <p:cNvGrpSpPr/>
+            <p:nvPr/>
+          </p:nvGrpSpPr>
+          <p:grpSpPr>
+            <a:xfrm>
+              <a:off x="4716630" y="1875217"/>
+              <a:ext cx="987088" cy="979241"/>
+              <a:chOff x="4535562" y="1687032"/>
+              <a:chExt cx="1680495" cy="1667135"/>
+            </a:xfrm>
+          </p:grpSpPr>
+          <p:cxnSp>
+            <p:nvCxnSpPr>
+              <p:cNvPr id="54" name="Straight Connector 53">
+                <a:extLst>
+                  <a:ext uri="{FF2B5EF4-FFF2-40B4-BE49-F238E27FC236}">
+                    <a16:creationId xmlns:a16="http://schemas.microsoft.com/office/drawing/2014/main" id="{B1BE1F47-C63A-4209-B1EF-7383510D4B65}"/>
+                  </a:ext>
+                </a:extLst>
+              </p:cNvPr>
+              <p:cNvCxnSpPr>
+                <a:cxnSpLocks/>
+              </p:cNvCxnSpPr>
+              <p:nvPr/>
+            </p:nvCxnSpPr>
+            <p:spPr>
+              <a:xfrm flipH="1">
+                <a:off x="4942375" y="1687032"/>
+                <a:ext cx="421546" cy="112954"/>
+              </a:xfrm>
+              <a:prstGeom prst="line">
+                <a:avLst/>
+              </a:prstGeom>
+              <a:ln w="28575">
+                <a:solidFill>
+                  <a:schemeClr val="tx1"/>
+                </a:solidFill>
+              </a:ln>
+            </p:spPr>
+            <p:style>
+              <a:lnRef idx="1">
+                <a:schemeClr val="accent1"/>
+              </a:lnRef>
+              <a:fillRef idx="0">
+                <a:schemeClr val="accent1"/>
+              </a:fillRef>
+              <a:effectRef idx="0">
+                <a:schemeClr val="accent1"/>
+              </a:effectRef>
+              <a:fontRef idx="minor">
+                <a:schemeClr val="tx1"/>
+              </a:fontRef>
+            </p:style>
+          </p:cxnSp>
+          <p:cxnSp>
+            <p:nvCxnSpPr>
+              <p:cNvPr id="55" name="Straight Connector 54">
+                <a:extLst>
+                  <a:ext uri="{FF2B5EF4-FFF2-40B4-BE49-F238E27FC236}">
+                    <a16:creationId xmlns:a16="http://schemas.microsoft.com/office/drawing/2014/main" id="{A4D3587D-2C9E-4302-9A7F-52550378324C}"/>
+                  </a:ext>
+                </a:extLst>
+              </p:cNvPr>
+              <p:cNvCxnSpPr>
+                <a:cxnSpLocks/>
+              </p:cNvCxnSpPr>
+              <p:nvPr/>
+            </p:nvCxnSpPr>
+            <p:spPr>
+              <a:xfrm flipH="1">
+                <a:off x="4633780" y="1799986"/>
+                <a:ext cx="307248" cy="299066"/>
+              </a:xfrm>
+              <a:prstGeom prst="line">
+                <a:avLst/>
+              </a:prstGeom>
+              <a:ln w="28575">
+                <a:solidFill>
+                  <a:schemeClr val="tx1"/>
+                </a:solidFill>
+              </a:ln>
+            </p:spPr>
+            <p:style>
+              <a:lnRef idx="1">
+                <a:schemeClr val="accent1"/>
+              </a:lnRef>
+              <a:fillRef idx="0">
+                <a:schemeClr val="accent1"/>
+              </a:fillRef>
+              <a:effectRef idx="0">
+                <a:schemeClr val="accent1"/>
+              </a:effectRef>
+              <a:fontRef idx="minor">
+                <a:schemeClr val="tx1"/>
+              </a:fontRef>
+            </p:style>
+          </p:cxnSp>
+          <p:cxnSp>
+            <p:nvCxnSpPr>
+              <p:cNvPr id="56" name="Straight Connector 55">
+                <a:extLst>
+                  <a:ext uri="{FF2B5EF4-FFF2-40B4-BE49-F238E27FC236}">
+                    <a16:creationId xmlns:a16="http://schemas.microsoft.com/office/drawing/2014/main" id="{3BCBB10D-D0D9-4425-9FC6-9F0FBC6D1E1F}"/>
+                  </a:ext>
+                </a:extLst>
+              </p:cNvPr>
+              <p:cNvCxnSpPr>
+                <a:cxnSpLocks/>
+              </p:cNvCxnSpPr>
+              <p:nvPr/>
+            </p:nvCxnSpPr>
+            <p:spPr>
+              <a:xfrm flipH="1">
+                <a:off x="4536908" y="2099052"/>
+                <a:ext cx="96871" cy="428274"/>
+              </a:xfrm>
+              <a:prstGeom prst="line">
+                <a:avLst/>
+              </a:prstGeom>
+              <a:ln w="28575">
+                <a:solidFill>
+                  <a:schemeClr val="tx1"/>
+                </a:solidFill>
+              </a:ln>
+            </p:spPr>
+            <p:style>
+              <a:lnRef idx="1">
+                <a:schemeClr val="accent1"/>
+              </a:lnRef>
+              <a:fillRef idx="0">
+                <a:schemeClr val="accent1"/>
+              </a:fillRef>
+              <a:effectRef idx="0">
+                <a:schemeClr val="accent1"/>
+              </a:effectRef>
+              <a:fontRef idx="minor">
+                <a:schemeClr val="tx1"/>
+              </a:fontRef>
+            </p:style>
+          </p:cxnSp>
+          <p:cxnSp>
+            <p:nvCxnSpPr>
+              <p:cNvPr id="57" name="Straight Connector 56">
+                <a:extLst>
+                  <a:ext uri="{FF2B5EF4-FFF2-40B4-BE49-F238E27FC236}">
+                    <a16:creationId xmlns:a16="http://schemas.microsoft.com/office/drawing/2014/main" id="{9C14E403-F698-460C-9420-FC599635FA2A}"/>
+                  </a:ext>
+                </a:extLst>
+              </p:cNvPr>
+              <p:cNvCxnSpPr>
+                <a:cxnSpLocks/>
+              </p:cNvCxnSpPr>
+              <p:nvPr/>
+            </p:nvCxnSpPr>
+            <p:spPr>
+              <a:xfrm>
+                <a:off x="4535562" y="2520599"/>
+                <a:ext cx="98217" cy="428274"/>
+              </a:xfrm>
+              <a:prstGeom prst="line">
+                <a:avLst/>
+              </a:prstGeom>
+              <a:ln w="28575">
+                <a:solidFill>
+                  <a:schemeClr val="tx1"/>
+                </a:solidFill>
+              </a:ln>
+            </p:spPr>
+            <p:style>
+              <a:lnRef idx="1">
+                <a:schemeClr val="accent1"/>
+              </a:lnRef>
+              <a:fillRef idx="0">
+                <a:schemeClr val="accent1"/>
+              </a:fillRef>
+              <a:effectRef idx="0">
+                <a:schemeClr val="accent1"/>
+              </a:effectRef>
+              <a:fontRef idx="minor">
+                <a:schemeClr val="tx1"/>
+              </a:fontRef>
+            </p:style>
+          </p:cxnSp>
+          <p:cxnSp>
+            <p:nvCxnSpPr>
+              <p:cNvPr id="58" name="Straight Connector 57">
+                <a:extLst>
+                  <a:ext uri="{FF2B5EF4-FFF2-40B4-BE49-F238E27FC236}">
+                    <a16:creationId xmlns:a16="http://schemas.microsoft.com/office/drawing/2014/main" id="{5CD4F9AD-55D2-43A0-BECF-82E83CB473D9}"/>
+                  </a:ext>
+                </a:extLst>
+              </p:cNvPr>
+              <p:cNvCxnSpPr>
+                <a:cxnSpLocks/>
+              </p:cNvCxnSpPr>
+              <p:nvPr/>
+            </p:nvCxnSpPr>
+            <p:spPr>
+              <a:xfrm>
+                <a:off x="4631777" y="2929260"/>
+                <a:ext cx="316289" cy="311955"/>
+              </a:xfrm>
+              <a:prstGeom prst="line">
+                <a:avLst/>
+              </a:prstGeom>
+              <a:ln w="28575">
+                <a:solidFill>
+                  <a:schemeClr val="tx1"/>
+                </a:solidFill>
+              </a:ln>
+            </p:spPr>
+            <p:style>
+              <a:lnRef idx="1">
+                <a:schemeClr val="accent1"/>
+              </a:lnRef>
+              <a:fillRef idx="0">
+                <a:schemeClr val="accent1"/>
+              </a:fillRef>
+              <a:effectRef idx="0">
+                <a:schemeClr val="accent1"/>
+              </a:effectRef>
+              <a:fontRef idx="minor">
+                <a:schemeClr val="tx1"/>
+              </a:fontRef>
+            </p:style>
+          </p:cxnSp>
+          <p:cxnSp>
+            <p:nvCxnSpPr>
+              <p:cNvPr id="59" name="Straight Connector 58">
+                <a:extLst>
+                  <a:ext uri="{FF2B5EF4-FFF2-40B4-BE49-F238E27FC236}">
+                    <a16:creationId xmlns:a16="http://schemas.microsoft.com/office/drawing/2014/main" id="{B64AD1E5-5C04-40D3-A02F-DCBC2FE1E277}"/>
+                  </a:ext>
+                </a:extLst>
+              </p:cNvPr>
+              <p:cNvCxnSpPr>
+                <a:cxnSpLocks/>
+              </p:cNvCxnSpPr>
+              <p:nvPr/>
+            </p:nvCxnSpPr>
+            <p:spPr>
+              <a:xfrm>
+                <a:off x="4948066" y="3241215"/>
+                <a:ext cx="424897" cy="112952"/>
+              </a:xfrm>
+              <a:prstGeom prst="line">
+                <a:avLst/>
+              </a:prstGeom>
+              <a:ln w="28575">
+                <a:solidFill>
+                  <a:schemeClr val="tx1"/>
+                </a:solidFill>
+              </a:ln>
+            </p:spPr>
+            <p:style>
+              <a:lnRef idx="1">
+                <a:schemeClr val="accent1"/>
+              </a:lnRef>
+              <a:fillRef idx="0">
+                <a:schemeClr val="accent1"/>
+              </a:fillRef>
+              <a:effectRef idx="0">
+                <a:schemeClr val="accent1"/>
+              </a:effectRef>
+              <a:fontRef idx="minor">
+                <a:schemeClr val="tx1"/>
+              </a:fontRef>
+            </p:style>
+          </p:cxnSp>
+          <p:cxnSp>
+            <p:nvCxnSpPr>
+              <p:cNvPr id="60" name="Straight Connector 59">
+                <a:extLst>
+                  <a:ext uri="{FF2B5EF4-FFF2-40B4-BE49-F238E27FC236}">
+                    <a16:creationId xmlns:a16="http://schemas.microsoft.com/office/drawing/2014/main" id="{51D9D4EE-BBAB-4BFE-AF8F-B31CAC20B6E7}"/>
+                  </a:ext>
+                </a:extLst>
+              </p:cNvPr>
+              <p:cNvCxnSpPr>
+                <a:cxnSpLocks/>
+              </p:cNvCxnSpPr>
+              <p:nvPr/>
+            </p:nvCxnSpPr>
+            <p:spPr>
+              <a:xfrm flipH="1" flipV="1">
+                <a:off x="5363921" y="1687032"/>
+                <a:ext cx="422892" cy="112954"/>
+              </a:xfrm>
+              <a:prstGeom prst="line">
+                <a:avLst/>
+              </a:prstGeom>
+              <a:ln w="28575">
+                <a:solidFill>
+                  <a:schemeClr val="tx1"/>
+                </a:solidFill>
+              </a:ln>
+            </p:spPr>
+            <p:style>
+              <a:lnRef idx="1">
+                <a:schemeClr val="accent1"/>
+              </a:lnRef>
+              <a:fillRef idx="0">
+                <a:schemeClr val="accent1"/>
+              </a:fillRef>
+              <a:effectRef idx="0">
+                <a:schemeClr val="accent1"/>
+              </a:effectRef>
+              <a:fontRef idx="minor">
+                <a:schemeClr val="tx1"/>
+              </a:fontRef>
+            </p:style>
+          </p:cxnSp>
+          <p:cxnSp>
+            <p:nvCxnSpPr>
+              <p:cNvPr id="61" name="Straight Connector 60">
+                <a:extLst>
+                  <a:ext uri="{FF2B5EF4-FFF2-40B4-BE49-F238E27FC236}">
+                    <a16:creationId xmlns:a16="http://schemas.microsoft.com/office/drawing/2014/main" id="{AA51BAE4-6048-4B44-A7AE-87BDAD30F8EF}"/>
+                  </a:ext>
+                </a:extLst>
+              </p:cNvPr>
+              <p:cNvCxnSpPr>
+                <a:cxnSpLocks/>
+              </p:cNvCxnSpPr>
+              <p:nvPr/>
+            </p:nvCxnSpPr>
+            <p:spPr>
+              <a:xfrm flipH="1" flipV="1">
+                <a:off x="5786141" y="1799986"/>
+                <a:ext cx="307921" cy="308593"/>
+              </a:xfrm>
+              <a:prstGeom prst="line">
+                <a:avLst/>
+              </a:prstGeom>
+              <a:ln w="28575">
+                <a:solidFill>
+                  <a:schemeClr val="tx1"/>
+                </a:solidFill>
+              </a:ln>
+            </p:spPr>
+            <p:style>
+              <a:lnRef idx="1">
+                <a:schemeClr val="accent1"/>
+              </a:lnRef>
+              <a:fillRef idx="0">
+                <a:schemeClr val="accent1"/>
+              </a:fillRef>
+              <a:effectRef idx="0">
+                <a:schemeClr val="accent1"/>
+              </a:effectRef>
+              <a:fontRef idx="minor">
+                <a:schemeClr val="tx1"/>
+              </a:fontRef>
+            </p:style>
+          </p:cxnSp>
+          <p:cxnSp>
+            <p:nvCxnSpPr>
+              <p:cNvPr id="62" name="Straight Connector 61">
+                <a:extLst>
+                  <a:ext uri="{FF2B5EF4-FFF2-40B4-BE49-F238E27FC236}">
+                    <a16:creationId xmlns:a16="http://schemas.microsoft.com/office/drawing/2014/main" id="{64DEB041-766E-43CF-85B1-0E39ABC71199}"/>
+                  </a:ext>
+                </a:extLst>
+              </p:cNvPr>
+              <p:cNvCxnSpPr>
+                <a:cxnSpLocks/>
+              </p:cNvCxnSpPr>
+              <p:nvPr/>
+            </p:nvCxnSpPr>
+            <p:spPr>
+              <a:xfrm flipH="1" flipV="1">
+                <a:off x="6082332" y="2099052"/>
+                <a:ext cx="133725" cy="428274"/>
+              </a:xfrm>
+              <a:prstGeom prst="line">
+                <a:avLst/>
+              </a:prstGeom>
+              <a:ln w="28575">
+                <a:solidFill>
+                  <a:schemeClr val="tx1"/>
+                </a:solidFill>
+              </a:ln>
+            </p:spPr>
+            <p:style>
+              <a:lnRef idx="1">
+                <a:schemeClr val="accent1"/>
+              </a:lnRef>
+              <a:fillRef idx="0">
+                <a:schemeClr val="accent1"/>
+              </a:fillRef>
+              <a:effectRef idx="0">
+                <a:schemeClr val="accent1"/>
+              </a:effectRef>
+              <a:fontRef idx="minor">
+                <a:schemeClr val="tx1"/>
+              </a:fontRef>
+            </p:style>
+          </p:cxnSp>
+          <p:cxnSp>
+            <p:nvCxnSpPr>
+              <p:cNvPr id="63" name="Straight Connector 62">
+                <a:extLst>
+                  <a:ext uri="{FF2B5EF4-FFF2-40B4-BE49-F238E27FC236}">
+                    <a16:creationId xmlns:a16="http://schemas.microsoft.com/office/drawing/2014/main" id="{8D836F7D-6183-419C-BD49-2D980307F26C}"/>
+                  </a:ext>
+                </a:extLst>
+              </p:cNvPr>
+              <p:cNvCxnSpPr>
+                <a:cxnSpLocks/>
+              </p:cNvCxnSpPr>
+              <p:nvPr/>
+            </p:nvCxnSpPr>
+            <p:spPr>
+              <a:xfrm flipH="1">
+                <a:off x="6094063" y="2513875"/>
+                <a:ext cx="121994" cy="428273"/>
+              </a:xfrm>
+              <a:prstGeom prst="line">
+                <a:avLst/>
+              </a:prstGeom>
+              <a:ln w="28575">
+                <a:solidFill>
+                  <a:schemeClr val="tx1"/>
+                </a:solidFill>
+              </a:ln>
+            </p:spPr>
+            <p:style>
+              <a:lnRef idx="1">
+                <a:schemeClr val="accent1"/>
+              </a:lnRef>
+              <a:fillRef idx="0">
+                <a:schemeClr val="accent1"/>
+              </a:fillRef>
+              <a:effectRef idx="0">
+                <a:schemeClr val="accent1"/>
+              </a:effectRef>
+              <a:fontRef idx="minor">
+                <a:schemeClr val="tx1"/>
+              </a:fontRef>
+            </p:style>
+          </p:cxnSp>
+          <p:cxnSp>
+            <p:nvCxnSpPr>
+              <p:cNvPr id="64" name="Straight Connector 63">
+                <a:extLst>
+                  <a:ext uri="{FF2B5EF4-FFF2-40B4-BE49-F238E27FC236}">
+                    <a16:creationId xmlns:a16="http://schemas.microsoft.com/office/drawing/2014/main" id="{CF6BA13D-0CD8-4E73-A50D-00B38143A18C}"/>
+                  </a:ext>
+                </a:extLst>
+              </p:cNvPr>
+              <p:cNvCxnSpPr>
+                <a:cxnSpLocks/>
+              </p:cNvCxnSpPr>
+              <p:nvPr/>
+            </p:nvCxnSpPr>
+            <p:spPr>
+              <a:xfrm flipH="1">
+                <a:off x="5779267" y="2932154"/>
+                <a:ext cx="317971" cy="309061"/>
+              </a:xfrm>
+              <a:prstGeom prst="line">
+                <a:avLst/>
+              </a:prstGeom>
+              <a:ln w="28575">
+                <a:solidFill>
+                  <a:schemeClr val="tx1"/>
+                </a:solidFill>
+              </a:ln>
+            </p:spPr>
+            <p:style>
+              <a:lnRef idx="1">
+                <a:schemeClr val="accent1"/>
+              </a:lnRef>
+              <a:fillRef idx="0">
+                <a:schemeClr val="accent1"/>
+              </a:fillRef>
+              <a:effectRef idx="0">
+                <a:schemeClr val="accent1"/>
+              </a:effectRef>
+              <a:fontRef idx="minor">
+                <a:schemeClr val="tx1"/>
+              </a:fontRef>
+            </p:style>
+          </p:cxnSp>
+          <p:cxnSp>
+            <p:nvCxnSpPr>
+              <p:cNvPr id="65" name="Straight Connector 64">
+                <a:extLst>
+                  <a:ext uri="{FF2B5EF4-FFF2-40B4-BE49-F238E27FC236}">
+                    <a16:creationId xmlns:a16="http://schemas.microsoft.com/office/drawing/2014/main" id="{1F532CE0-F305-46EF-B431-9DEFFF5D83AA}"/>
+                  </a:ext>
+                </a:extLst>
+              </p:cNvPr>
+              <p:cNvCxnSpPr>
+                <a:cxnSpLocks/>
+              </p:cNvCxnSpPr>
+              <p:nvPr/>
+            </p:nvCxnSpPr>
+            <p:spPr>
+              <a:xfrm flipH="1">
+                <a:off x="5372963" y="3239018"/>
+                <a:ext cx="413178" cy="107958"/>
+              </a:xfrm>
+              <a:prstGeom prst="line">
+                <a:avLst/>
+              </a:prstGeom>
+              <a:ln w="28575">
+                <a:solidFill>
+                  <a:schemeClr val="tx1"/>
+                </a:solidFill>
+              </a:ln>
+            </p:spPr>
+            <p:style>
+              <a:lnRef idx="1">
+                <a:schemeClr val="accent1"/>
+              </a:lnRef>
+              <a:fillRef idx="0">
+                <a:schemeClr val="accent1"/>
+              </a:fillRef>
+              <a:effectRef idx="0">
+                <a:schemeClr val="accent1"/>
+              </a:effectRef>
+              <a:fontRef idx="minor">
+                <a:schemeClr val="tx1"/>
+              </a:fontRef>
+            </p:style>
+          </p:cxnSp>
+        </p:grpSp>
+      </p:grpSp>
+    </p:spTree>
+    <p:extLst>
+      <p:ext uri="{BB962C8B-B14F-4D97-AF65-F5344CB8AC3E}">
+        <p14:creationId xmlns:p14="http://schemas.microsoft.com/office/powerpoint/2010/main" val="2491451544"/>
       </p:ext>
     </p:extLst>
   </p:cSld>

--- a/Assets/Sprites/logo.pptx
+++ b/Assets/Sprites/logo.pptx
@@ -260,7 +260,7 @@
           <a:p>
             <a:fld id="{B9DB79A2-7FE3-42BF-89B9-2478ECA01F93}" type="datetimeFigureOut">
               <a:rPr lang="en-US" smtClean="0"/>
-              <a:t>11/29/2021</a:t>
+              <a:t>11/30/2021</a:t>
             </a:fld>
             <a:endParaRPr lang="en-US"/>
           </a:p>
@@ -458,7 +458,7 @@
           <a:p>
             <a:fld id="{B9DB79A2-7FE3-42BF-89B9-2478ECA01F93}" type="datetimeFigureOut">
               <a:rPr lang="en-US" smtClean="0"/>
-              <a:t>11/29/2021</a:t>
+              <a:t>11/30/2021</a:t>
             </a:fld>
             <a:endParaRPr lang="en-US"/>
           </a:p>
@@ -666,7 +666,7 @@
           <a:p>
             <a:fld id="{B9DB79A2-7FE3-42BF-89B9-2478ECA01F93}" type="datetimeFigureOut">
               <a:rPr lang="en-US" smtClean="0"/>
-              <a:t>11/29/2021</a:t>
+              <a:t>11/30/2021</a:t>
             </a:fld>
             <a:endParaRPr lang="en-US"/>
           </a:p>
@@ -864,7 +864,7 @@
           <a:p>
             <a:fld id="{B9DB79A2-7FE3-42BF-89B9-2478ECA01F93}" type="datetimeFigureOut">
               <a:rPr lang="en-US" smtClean="0"/>
-              <a:t>11/29/2021</a:t>
+              <a:t>11/30/2021</a:t>
             </a:fld>
             <a:endParaRPr lang="en-US"/>
           </a:p>
@@ -1139,7 +1139,7 @@
           <a:p>
             <a:fld id="{B9DB79A2-7FE3-42BF-89B9-2478ECA01F93}" type="datetimeFigureOut">
               <a:rPr lang="en-US" smtClean="0"/>
-              <a:t>11/29/2021</a:t>
+              <a:t>11/30/2021</a:t>
             </a:fld>
             <a:endParaRPr lang="en-US"/>
           </a:p>
@@ -1404,7 +1404,7 @@
           <a:p>
             <a:fld id="{B9DB79A2-7FE3-42BF-89B9-2478ECA01F93}" type="datetimeFigureOut">
               <a:rPr lang="en-US" smtClean="0"/>
-              <a:t>11/29/2021</a:t>
+              <a:t>11/30/2021</a:t>
             </a:fld>
             <a:endParaRPr lang="en-US"/>
           </a:p>
@@ -1816,7 +1816,7 @@
           <a:p>
             <a:fld id="{B9DB79A2-7FE3-42BF-89B9-2478ECA01F93}" type="datetimeFigureOut">
               <a:rPr lang="en-US" smtClean="0"/>
-              <a:t>11/29/2021</a:t>
+              <a:t>11/30/2021</a:t>
             </a:fld>
             <a:endParaRPr lang="en-US"/>
           </a:p>
@@ -1957,7 +1957,7 @@
           <a:p>
             <a:fld id="{B9DB79A2-7FE3-42BF-89B9-2478ECA01F93}" type="datetimeFigureOut">
               <a:rPr lang="en-US" smtClean="0"/>
-              <a:t>11/29/2021</a:t>
+              <a:t>11/30/2021</a:t>
             </a:fld>
             <a:endParaRPr lang="en-US"/>
           </a:p>
@@ -2070,7 +2070,7 @@
           <a:p>
             <a:fld id="{B9DB79A2-7FE3-42BF-89B9-2478ECA01F93}" type="datetimeFigureOut">
               <a:rPr lang="en-US" smtClean="0"/>
-              <a:t>11/29/2021</a:t>
+              <a:t>11/30/2021</a:t>
             </a:fld>
             <a:endParaRPr lang="en-US"/>
           </a:p>
@@ -2381,7 +2381,7 @@
           <a:p>
             <a:fld id="{B9DB79A2-7FE3-42BF-89B9-2478ECA01F93}" type="datetimeFigureOut">
               <a:rPr lang="en-US" smtClean="0"/>
-              <a:t>11/29/2021</a:t>
+              <a:t>11/30/2021</a:t>
             </a:fld>
             <a:endParaRPr lang="en-US"/>
           </a:p>
@@ -2669,7 +2669,7 @@
           <a:p>
             <a:fld id="{B9DB79A2-7FE3-42BF-89B9-2478ECA01F93}" type="datetimeFigureOut">
               <a:rPr lang="en-US" smtClean="0"/>
-              <a:t>11/29/2021</a:t>
+              <a:t>11/30/2021</a:t>
             </a:fld>
             <a:endParaRPr lang="en-US"/>
           </a:p>
@@ -2910,7 +2910,7 @@
           <a:p>
             <a:fld id="{B9DB79A2-7FE3-42BF-89B9-2478ECA01F93}" type="datetimeFigureOut">
               <a:rPr lang="en-US" smtClean="0"/>
-              <a:t>11/29/2021</a:t>
+              <a:t>11/30/2021</a:t>
             </a:fld>
             <a:endParaRPr lang="en-US"/>
           </a:p>
@@ -3485,350 +3485,371 @@
           <a:chExt cx="0" cy="0"/>
         </a:xfrm>
       </p:grpSpPr>
-      <p:cxnSp>
-        <p:nvCxnSpPr>
-          <p:cNvPr id="5" name="Straight Connector 4">
-            <a:extLst>
-              <a:ext uri="{FF2B5EF4-FFF2-40B4-BE49-F238E27FC236}">
-                <a16:creationId xmlns:a16="http://schemas.microsoft.com/office/drawing/2014/main" id="{E33F36EF-12EC-496A-89AF-C9F6F7CDD416}"/>
-              </a:ext>
-            </a:extLst>
-          </p:cNvPr>
-          <p:cNvCxnSpPr>
-            <a:cxnSpLocks/>
-          </p:cNvCxnSpPr>
+      <p:grpSp>
+        <p:nvGrpSpPr>
+          <p:cNvPr id="14" name="Group 13">
+            <a:extLst>
+              <a:ext uri="{FF2B5EF4-FFF2-40B4-BE49-F238E27FC236}">
+                <a16:creationId xmlns:a16="http://schemas.microsoft.com/office/drawing/2014/main" id="{C6683655-5723-4885-B475-8F3DB63BEE2A}"/>
+              </a:ext>
+            </a:extLst>
+          </p:cNvPr>
+          <p:cNvGrpSpPr/>
           <p:nvPr/>
-        </p:nvCxnSpPr>
-        <p:spPr>
+        </p:nvGrpSpPr>
+        <p:grpSpPr>
           <a:xfrm>
-            <a:off x="1012658" y="1023457"/>
-            <a:ext cx="0" cy="1686187"/>
+            <a:off x="2392828" y="2348188"/>
+            <a:ext cx="1261234" cy="1686187"/>
+            <a:chOff x="2392828" y="2348188"/>
+            <a:chExt cx="1261234" cy="1686187"/>
           </a:xfrm>
-          <a:prstGeom prst="line">
-            <a:avLst/>
-          </a:prstGeom>
-          <a:ln w="28575">
-            <a:solidFill>
+        </p:grpSpPr>
+        <p:cxnSp>
+          <p:nvCxnSpPr>
+            <p:cNvPr id="5" name="Straight Connector 4">
+              <a:extLst>
+                <a:ext uri="{FF2B5EF4-FFF2-40B4-BE49-F238E27FC236}">
+                  <a16:creationId xmlns:a16="http://schemas.microsoft.com/office/drawing/2014/main" id="{E33F36EF-12EC-496A-89AF-C9F6F7CDD416}"/>
+                </a:ext>
+              </a:extLst>
+            </p:cNvPr>
+            <p:cNvCxnSpPr>
+              <a:cxnSpLocks/>
+            </p:cNvCxnSpPr>
+            <p:nvPr/>
+          </p:nvCxnSpPr>
+          <p:spPr>
+            <a:xfrm>
+              <a:off x="2823874" y="2348188"/>
+              <a:ext cx="0" cy="1686187"/>
+            </a:xfrm>
+            <a:prstGeom prst="line">
+              <a:avLst/>
+            </a:prstGeom>
+            <a:ln w="19050">
+              <a:solidFill>
+                <a:schemeClr val="tx1"/>
+              </a:solidFill>
+            </a:ln>
+          </p:spPr>
+          <p:style>
+            <a:lnRef idx="1">
+              <a:schemeClr val="accent1"/>
+            </a:lnRef>
+            <a:fillRef idx="0">
+              <a:schemeClr val="accent1"/>
+            </a:fillRef>
+            <a:effectRef idx="0">
+              <a:schemeClr val="accent1"/>
+            </a:effectRef>
+            <a:fontRef idx="minor">
               <a:schemeClr val="tx1"/>
-            </a:solidFill>
-          </a:ln>
-        </p:spPr>
-        <p:style>
-          <a:lnRef idx="1">
-            <a:schemeClr val="accent1"/>
-          </a:lnRef>
-          <a:fillRef idx="0">
-            <a:schemeClr val="accent1"/>
-          </a:fillRef>
-          <a:effectRef idx="0">
-            <a:schemeClr val="accent1"/>
-          </a:effectRef>
-          <a:fontRef idx="minor">
-            <a:schemeClr val="tx1"/>
-          </a:fontRef>
-        </p:style>
-      </p:cxnSp>
-      <p:cxnSp>
-        <p:nvCxnSpPr>
-          <p:cNvPr id="6" name="Straight Connector 5">
-            <a:extLst>
-              <a:ext uri="{FF2B5EF4-FFF2-40B4-BE49-F238E27FC236}">
-                <a16:creationId xmlns:a16="http://schemas.microsoft.com/office/drawing/2014/main" id="{3A1AB298-9B27-4745-895C-A3EBE6BDE7C9}"/>
-              </a:ext>
-            </a:extLst>
-          </p:cNvPr>
-          <p:cNvCxnSpPr>
-            <a:cxnSpLocks/>
-          </p:cNvCxnSpPr>
-          <p:nvPr/>
-        </p:nvCxnSpPr>
-        <p:spPr>
-          <a:xfrm>
-            <a:off x="1436446" y="1023457"/>
-            <a:ext cx="0" cy="1686187"/>
-          </a:xfrm>
-          <a:prstGeom prst="line">
-            <a:avLst/>
-          </a:prstGeom>
-          <a:ln w="28575">
-            <a:solidFill>
+            </a:fontRef>
+          </p:style>
+        </p:cxnSp>
+        <p:cxnSp>
+          <p:nvCxnSpPr>
+            <p:cNvPr id="6" name="Straight Connector 5">
+              <a:extLst>
+                <a:ext uri="{FF2B5EF4-FFF2-40B4-BE49-F238E27FC236}">
+                  <a16:creationId xmlns:a16="http://schemas.microsoft.com/office/drawing/2014/main" id="{3A1AB298-9B27-4745-895C-A3EBE6BDE7C9}"/>
+                </a:ext>
+              </a:extLst>
+            </p:cNvPr>
+            <p:cNvCxnSpPr>
+              <a:cxnSpLocks/>
+            </p:cNvCxnSpPr>
+            <p:nvPr/>
+          </p:nvCxnSpPr>
+          <p:spPr>
+            <a:xfrm>
+              <a:off x="3247662" y="2348188"/>
+              <a:ext cx="0" cy="1686187"/>
+            </a:xfrm>
+            <a:prstGeom prst="line">
+              <a:avLst/>
+            </a:prstGeom>
+            <a:ln w="19050">
+              <a:solidFill>
+                <a:schemeClr val="tx1"/>
+              </a:solidFill>
+            </a:ln>
+          </p:spPr>
+          <p:style>
+            <a:lnRef idx="1">
+              <a:schemeClr val="accent1"/>
+            </a:lnRef>
+            <a:fillRef idx="0">
+              <a:schemeClr val="accent1"/>
+            </a:fillRef>
+            <a:effectRef idx="0">
+              <a:schemeClr val="accent1"/>
+            </a:effectRef>
+            <a:fontRef idx="minor">
               <a:schemeClr val="tx1"/>
-            </a:solidFill>
-          </a:ln>
-        </p:spPr>
-        <p:style>
-          <a:lnRef idx="1">
-            <a:schemeClr val="accent1"/>
-          </a:lnRef>
-          <a:fillRef idx="0">
-            <a:schemeClr val="accent1"/>
-          </a:fillRef>
-          <a:effectRef idx="0">
-            <a:schemeClr val="accent1"/>
-          </a:effectRef>
-          <a:fontRef idx="minor">
-            <a:schemeClr val="tx1"/>
-          </a:fontRef>
-        </p:style>
-      </p:cxnSp>
-      <p:cxnSp>
-        <p:nvCxnSpPr>
-          <p:cNvPr id="7" name="Straight Connector 6">
-            <a:extLst>
-              <a:ext uri="{FF2B5EF4-FFF2-40B4-BE49-F238E27FC236}">
-                <a16:creationId xmlns:a16="http://schemas.microsoft.com/office/drawing/2014/main" id="{D5F50E64-0DFA-419C-84F8-533970562981}"/>
-              </a:ext>
-            </a:extLst>
-          </p:cNvPr>
-          <p:cNvCxnSpPr>
-            <a:cxnSpLocks/>
-          </p:cNvCxnSpPr>
-          <p:nvPr/>
-        </p:nvCxnSpPr>
-        <p:spPr>
-          <a:xfrm>
-            <a:off x="592728" y="1023457"/>
-            <a:ext cx="0" cy="1686187"/>
-          </a:xfrm>
-          <a:prstGeom prst="line">
-            <a:avLst/>
-          </a:prstGeom>
-          <a:ln w="28575">
-            <a:solidFill>
+            </a:fontRef>
+          </p:style>
+        </p:cxnSp>
+        <p:cxnSp>
+          <p:nvCxnSpPr>
+            <p:cNvPr id="7" name="Straight Connector 6">
+              <a:extLst>
+                <a:ext uri="{FF2B5EF4-FFF2-40B4-BE49-F238E27FC236}">
+                  <a16:creationId xmlns:a16="http://schemas.microsoft.com/office/drawing/2014/main" id="{D5F50E64-0DFA-419C-84F8-533970562981}"/>
+                </a:ext>
+              </a:extLst>
+            </p:cNvPr>
+            <p:cNvCxnSpPr>
+              <a:cxnSpLocks/>
+            </p:cNvCxnSpPr>
+            <p:nvPr/>
+          </p:nvCxnSpPr>
+          <p:spPr>
+            <a:xfrm>
+              <a:off x="2403944" y="2348188"/>
+              <a:ext cx="0" cy="1686187"/>
+            </a:xfrm>
+            <a:prstGeom prst="line">
+              <a:avLst/>
+            </a:prstGeom>
+            <a:ln w="19050">
+              <a:solidFill>
+                <a:schemeClr val="tx1"/>
+              </a:solidFill>
+            </a:ln>
+          </p:spPr>
+          <p:style>
+            <a:lnRef idx="1">
+              <a:schemeClr val="accent1"/>
+            </a:lnRef>
+            <a:fillRef idx="0">
+              <a:schemeClr val="accent1"/>
+            </a:fillRef>
+            <a:effectRef idx="0">
+              <a:schemeClr val="accent1"/>
+            </a:effectRef>
+            <a:fontRef idx="minor">
               <a:schemeClr val="tx1"/>
-            </a:solidFill>
-          </a:ln>
-        </p:spPr>
-        <p:style>
-          <a:lnRef idx="1">
-            <a:schemeClr val="accent1"/>
-          </a:lnRef>
-          <a:fillRef idx="0">
-            <a:schemeClr val="accent1"/>
-          </a:fillRef>
-          <a:effectRef idx="0">
-            <a:schemeClr val="accent1"/>
-          </a:effectRef>
-          <a:fontRef idx="minor">
-            <a:schemeClr val="tx1"/>
-          </a:fontRef>
-        </p:style>
-      </p:cxnSp>
-      <p:cxnSp>
-        <p:nvCxnSpPr>
-          <p:cNvPr id="8" name="Straight Connector 7">
-            <a:extLst>
-              <a:ext uri="{FF2B5EF4-FFF2-40B4-BE49-F238E27FC236}">
-                <a16:creationId xmlns:a16="http://schemas.microsoft.com/office/drawing/2014/main" id="{BD284D71-4956-4558-8C3B-54BE2E4E5B86}"/>
-              </a:ext>
-            </a:extLst>
-          </p:cNvPr>
-          <p:cNvCxnSpPr>
-            <a:cxnSpLocks/>
-          </p:cNvCxnSpPr>
-          <p:nvPr/>
-        </p:nvCxnSpPr>
-        <p:spPr>
-          <a:xfrm>
-            <a:off x="1839671" y="1023457"/>
-            <a:ext cx="0" cy="1686187"/>
-          </a:xfrm>
-          <a:prstGeom prst="line">
-            <a:avLst/>
-          </a:prstGeom>
-          <a:ln w="28575">
-            <a:solidFill>
+            </a:fontRef>
+          </p:style>
+        </p:cxnSp>
+        <p:cxnSp>
+          <p:nvCxnSpPr>
+            <p:cNvPr id="8" name="Straight Connector 7">
+              <a:extLst>
+                <a:ext uri="{FF2B5EF4-FFF2-40B4-BE49-F238E27FC236}">
+                  <a16:creationId xmlns:a16="http://schemas.microsoft.com/office/drawing/2014/main" id="{BD284D71-4956-4558-8C3B-54BE2E4E5B86}"/>
+                </a:ext>
+              </a:extLst>
+            </p:cNvPr>
+            <p:cNvCxnSpPr>
+              <a:cxnSpLocks/>
+            </p:cNvCxnSpPr>
+            <p:nvPr/>
+          </p:nvCxnSpPr>
+          <p:spPr>
+            <a:xfrm>
+              <a:off x="3650887" y="2348188"/>
+              <a:ext cx="0" cy="1686187"/>
+            </a:xfrm>
+            <a:prstGeom prst="line">
+              <a:avLst/>
+            </a:prstGeom>
+            <a:ln w="19050">
+              <a:solidFill>
+                <a:schemeClr val="tx1"/>
+              </a:solidFill>
+            </a:ln>
+          </p:spPr>
+          <p:style>
+            <a:lnRef idx="1">
+              <a:schemeClr val="accent1"/>
+            </a:lnRef>
+            <a:fillRef idx="0">
+              <a:schemeClr val="accent1"/>
+            </a:fillRef>
+            <a:effectRef idx="0">
+              <a:schemeClr val="accent1"/>
+            </a:effectRef>
+            <a:fontRef idx="minor">
               <a:schemeClr val="tx1"/>
-            </a:solidFill>
-          </a:ln>
-        </p:spPr>
-        <p:style>
-          <a:lnRef idx="1">
-            <a:schemeClr val="accent1"/>
-          </a:lnRef>
-          <a:fillRef idx="0">
-            <a:schemeClr val="accent1"/>
-          </a:fillRef>
-          <a:effectRef idx="0">
-            <a:schemeClr val="accent1"/>
-          </a:effectRef>
-          <a:fontRef idx="minor">
-            <a:schemeClr val="tx1"/>
-          </a:fontRef>
-        </p:style>
-      </p:cxnSp>
-      <p:cxnSp>
-        <p:nvCxnSpPr>
-          <p:cNvPr id="9" name="Straight Connector 8">
-            <a:extLst>
-              <a:ext uri="{FF2B5EF4-FFF2-40B4-BE49-F238E27FC236}">
-                <a16:creationId xmlns:a16="http://schemas.microsoft.com/office/drawing/2014/main" id="{2505403B-9DEE-478E-ACF8-1EB19AB396A0}"/>
-              </a:ext>
-            </a:extLst>
-          </p:cNvPr>
-          <p:cNvCxnSpPr>
-            <a:cxnSpLocks/>
-          </p:cNvCxnSpPr>
-          <p:nvPr/>
-        </p:nvCxnSpPr>
-        <p:spPr>
-          <a:xfrm>
-            <a:off x="581612" y="1036157"/>
-            <a:ext cx="1258059" cy="0"/>
-          </a:xfrm>
-          <a:prstGeom prst="line">
-            <a:avLst/>
-          </a:prstGeom>
-          <a:ln w="28575">
-            <a:solidFill>
+            </a:fontRef>
+          </p:style>
+        </p:cxnSp>
+        <p:cxnSp>
+          <p:nvCxnSpPr>
+            <p:cNvPr id="9" name="Straight Connector 8">
+              <a:extLst>
+                <a:ext uri="{FF2B5EF4-FFF2-40B4-BE49-F238E27FC236}">
+                  <a16:creationId xmlns:a16="http://schemas.microsoft.com/office/drawing/2014/main" id="{2505403B-9DEE-478E-ACF8-1EB19AB396A0}"/>
+                </a:ext>
+              </a:extLst>
+            </p:cNvPr>
+            <p:cNvCxnSpPr>
+              <a:cxnSpLocks/>
+            </p:cNvCxnSpPr>
+            <p:nvPr/>
+          </p:nvCxnSpPr>
+          <p:spPr>
+            <a:xfrm>
+              <a:off x="2392828" y="2357713"/>
+              <a:ext cx="1258059" cy="0"/>
+            </a:xfrm>
+            <a:prstGeom prst="line">
+              <a:avLst/>
+            </a:prstGeom>
+            <a:ln w="19050">
+              <a:solidFill>
+                <a:schemeClr val="tx1"/>
+              </a:solidFill>
+            </a:ln>
+          </p:spPr>
+          <p:style>
+            <a:lnRef idx="1">
+              <a:schemeClr val="accent1"/>
+            </a:lnRef>
+            <a:fillRef idx="0">
+              <a:schemeClr val="accent1"/>
+            </a:fillRef>
+            <a:effectRef idx="0">
+              <a:schemeClr val="accent1"/>
+            </a:effectRef>
+            <a:fontRef idx="minor">
               <a:schemeClr val="tx1"/>
-            </a:solidFill>
-          </a:ln>
-        </p:spPr>
-        <p:style>
-          <a:lnRef idx="1">
-            <a:schemeClr val="accent1"/>
-          </a:lnRef>
-          <a:fillRef idx="0">
-            <a:schemeClr val="accent1"/>
-          </a:fillRef>
-          <a:effectRef idx="0">
-            <a:schemeClr val="accent1"/>
-          </a:effectRef>
-          <a:fontRef idx="minor">
-            <a:schemeClr val="tx1"/>
-          </a:fontRef>
-        </p:style>
-      </p:cxnSp>
-      <p:cxnSp>
-        <p:nvCxnSpPr>
-          <p:cNvPr id="10" name="Straight Connector 9">
-            <a:extLst>
-              <a:ext uri="{FF2B5EF4-FFF2-40B4-BE49-F238E27FC236}">
-                <a16:creationId xmlns:a16="http://schemas.microsoft.com/office/drawing/2014/main" id="{CA1ABDAE-02EE-43EF-B207-003C49F55C5D}"/>
-              </a:ext>
-            </a:extLst>
-          </p:cNvPr>
-          <p:cNvCxnSpPr>
-            <a:cxnSpLocks/>
-          </p:cNvCxnSpPr>
-          <p:nvPr/>
-        </p:nvCxnSpPr>
-        <p:spPr>
-          <a:xfrm>
-            <a:off x="580823" y="2696464"/>
-            <a:ext cx="1258848" cy="0"/>
-          </a:xfrm>
-          <a:prstGeom prst="line">
-            <a:avLst/>
-          </a:prstGeom>
-          <a:ln w="28575">
-            <a:solidFill>
+            </a:fontRef>
+          </p:style>
+        </p:cxnSp>
+        <p:cxnSp>
+          <p:nvCxnSpPr>
+            <p:cNvPr id="10" name="Straight Connector 9">
+              <a:extLst>
+                <a:ext uri="{FF2B5EF4-FFF2-40B4-BE49-F238E27FC236}">
+                  <a16:creationId xmlns:a16="http://schemas.microsoft.com/office/drawing/2014/main" id="{CA1ABDAE-02EE-43EF-B207-003C49F55C5D}"/>
+                </a:ext>
+              </a:extLst>
+            </p:cNvPr>
+            <p:cNvCxnSpPr>
+              <a:cxnSpLocks/>
+            </p:cNvCxnSpPr>
+            <p:nvPr/>
+          </p:nvCxnSpPr>
+          <p:spPr>
+            <a:xfrm>
+              <a:off x="2395214" y="4024370"/>
+              <a:ext cx="1258848" cy="0"/>
+            </a:xfrm>
+            <a:prstGeom prst="line">
+              <a:avLst/>
+            </a:prstGeom>
+            <a:ln w="19050">
+              <a:solidFill>
+                <a:schemeClr val="tx1"/>
+              </a:solidFill>
+            </a:ln>
+          </p:spPr>
+          <p:style>
+            <a:lnRef idx="1">
+              <a:schemeClr val="accent1"/>
+            </a:lnRef>
+            <a:fillRef idx="0">
+              <a:schemeClr val="accent1"/>
+            </a:fillRef>
+            <a:effectRef idx="0">
+              <a:schemeClr val="accent1"/>
+            </a:effectRef>
+            <a:fontRef idx="minor">
               <a:schemeClr val="tx1"/>
-            </a:solidFill>
-          </a:ln>
-        </p:spPr>
-        <p:style>
-          <a:lnRef idx="1">
-            <a:schemeClr val="accent1"/>
-          </a:lnRef>
-          <a:fillRef idx="0">
-            <a:schemeClr val="accent1"/>
-          </a:fillRef>
-          <a:effectRef idx="0">
-            <a:schemeClr val="accent1"/>
-          </a:effectRef>
-          <a:fontRef idx="minor">
-            <a:schemeClr val="tx1"/>
-          </a:fontRef>
-        </p:style>
-      </p:cxnSp>
-      <p:cxnSp>
-        <p:nvCxnSpPr>
-          <p:cNvPr id="11" name="Straight Connector 10">
-            <a:extLst>
-              <a:ext uri="{FF2B5EF4-FFF2-40B4-BE49-F238E27FC236}">
-                <a16:creationId xmlns:a16="http://schemas.microsoft.com/office/drawing/2014/main" id="{7E8AFFF7-2EB2-43D6-82D2-C52A7E98C534}"/>
-              </a:ext>
-            </a:extLst>
-          </p:cNvPr>
-          <p:cNvCxnSpPr>
-            <a:cxnSpLocks/>
-          </p:cNvCxnSpPr>
-          <p:nvPr/>
-        </p:nvCxnSpPr>
-        <p:spPr>
-          <a:xfrm>
-            <a:off x="581612" y="2144807"/>
-            <a:ext cx="1258059" cy="0"/>
-          </a:xfrm>
-          <a:prstGeom prst="line">
-            <a:avLst/>
-          </a:prstGeom>
-          <a:ln w="28575">
-            <a:solidFill>
+            </a:fontRef>
+          </p:style>
+        </p:cxnSp>
+        <p:cxnSp>
+          <p:nvCxnSpPr>
+            <p:cNvPr id="11" name="Straight Connector 10">
+              <a:extLst>
+                <a:ext uri="{FF2B5EF4-FFF2-40B4-BE49-F238E27FC236}">
+                  <a16:creationId xmlns:a16="http://schemas.microsoft.com/office/drawing/2014/main" id="{7E8AFFF7-2EB2-43D6-82D2-C52A7E98C534}"/>
+                </a:ext>
+              </a:extLst>
+            </p:cNvPr>
+            <p:cNvCxnSpPr>
+              <a:cxnSpLocks/>
+            </p:cNvCxnSpPr>
+            <p:nvPr/>
+          </p:nvCxnSpPr>
+          <p:spPr>
+            <a:xfrm>
+              <a:off x="2392828" y="3469538"/>
+              <a:ext cx="1258059" cy="0"/>
+            </a:xfrm>
+            <a:prstGeom prst="line">
+              <a:avLst/>
+            </a:prstGeom>
+            <a:ln w="19050">
+              <a:solidFill>
+                <a:schemeClr val="tx1"/>
+              </a:solidFill>
+            </a:ln>
+          </p:spPr>
+          <p:style>
+            <a:lnRef idx="1">
+              <a:schemeClr val="accent1"/>
+            </a:lnRef>
+            <a:fillRef idx="0">
+              <a:schemeClr val="accent1"/>
+            </a:fillRef>
+            <a:effectRef idx="0">
+              <a:schemeClr val="accent1"/>
+            </a:effectRef>
+            <a:fontRef idx="minor">
               <a:schemeClr val="tx1"/>
-            </a:solidFill>
-          </a:ln>
-        </p:spPr>
-        <p:style>
-          <a:lnRef idx="1">
-            <a:schemeClr val="accent1"/>
-          </a:lnRef>
-          <a:fillRef idx="0">
-            <a:schemeClr val="accent1"/>
-          </a:fillRef>
-          <a:effectRef idx="0">
-            <a:schemeClr val="accent1"/>
-          </a:effectRef>
-          <a:fontRef idx="minor">
-            <a:schemeClr val="tx1"/>
-          </a:fontRef>
-        </p:style>
-      </p:cxnSp>
-      <p:cxnSp>
-        <p:nvCxnSpPr>
-          <p:cNvPr id="12" name="Straight Connector 11">
-            <a:extLst>
-              <a:ext uri="{FF2B5EF4-FFF2-40B4-BE49-F238E27FC236}">
-                <a16:creationId xmlns:a16="http://schemas.microsoft.com/office/drawing/2014/main" id="{45E0B6D9-63DA-4F79-99C1-FFD2EAF8AEE4}"/>
-              </a:ext>
-            </a:extLst>
-          </p:cNvPr>
-          <p:cNvCxnSpPr>
-            <a:cxnSpLocks/>
-          </p:cNvCxnSpPr>
-          <p:nvPr/>
-        </p:nvCxnSpPr>
-        <p:spPr>
-          <a:xfrm>
-            <a:off x="581612" y="1572514"/>
-            <a:ext cx="1258059" cy="0"/>
-          </a:xfrm>
-          <a:prstGeom prst="line">
-            <a:avLst/>
-          </a:prstGeom>
-          <a:ln w="28575">
-            <a:solidFill>
+            </a:fontRef>
+          </p:style>
+        </p:cxnSp>
+        <p:cxnSp>
+          <p:nvCxnSpPr>
+            <p:cNvPr id="12" name="Straight Connector 11">
+              <a:extLst>
+                <a:ext uri="{FF2B5EF4-FFF2-40B4-BE49-F238E27FC236}">
+                  <a16:creationId xmlns:a16="http://schemas.microsoft.com/office/drawing/2014/main" id="{45E0B6D9-63DA-4F79-99C1-FFD2EAF8AEE4}"/>
+                </a:ext>
+              </a:extLst>
+            </p:cNvPr>
+            <p:cNvCxnSpPr>
+              <a:cxnSpLocks/>
+            </p:cNvCxnSpPr>
+            <p:nvPr/>
+          </p:nvCxnSpPr>
+          <p:spPr>
+            <a:xfrm>
+              <a:off x="2392828" y="2897245"/>
+              <a:ext cx="1258059" cy="0"/>
+            </a:xfrm>
+            <a:prstGeom prst="line">
+              <a:avLst/>
+            </a:prstGeom>
+            <a:ln w="19050">
+              <a:solidFill>
+                <a:schemeClr val="tx1"/>
+              </a:solidFill>
+            </a:ln>
+          </p:spPr>
+          <p:style>
+            <a:lnRef idx="1">
+              <a:schemeClr val="accent1"/>
+            </a:lnRef>
+            <a:fillRef idx="0">
+              <a:schemeClr val="accent1"/>
+            </a:fillRef>
+            <a:effectRef idx="0">
+              <a:schemeClr val="accent1"/>
+            </a:effectRef>
+            <a:fontRef idx="minor">
               <a:schemeClr val="tx1"/>
-            </a:solidFill>
-          </a:ln>
-        </p:spPr>
-        <p:style>
-          <a:lnRef idx="1">
-            <a:schemeClr val="accent1"/>
-          </a:lnRef>
-          <a:fillRef idx="0">
-            <a:schemeClr val="accent1"/>
-          </a:fillRef>
-          <a:effectRef idx="0">
-            <a:schemeClr val="accent1"/>
-          </a:effectRef>
-          <a:fontRef idx="minor">
-            <a:schemeClr val="tx1"/>
-          </a:fontRef>
-        </p:style>
-      </p:cxnSp>
+            </a:fontRef>
+          </p:style>
+        </p:cxnSp>
+      </p:grpSp>
       <p:grpSp>
         <p:nvGrpSpPr>
           <p:cNvPr id="80" name="Group 79">
@@ -3871,7 +3892,7 @@
             <a:prstGeom prst="line">
               <a:avLst/>
             </a:prstGeom>
-            <a:ln w="28575">
+            <a:ln w="19050">
               <a:solidFill>
                 <a:schemeClr val="tx1"/>
               </a:solidFill>
@@ -3914,7 +3935,7 @@
             <a:prstGeom prst="line">
               <a:avLst/>
             </a:prstGeom>
-            <a:ln w="28575">
+            <a:ln w="19050">
               <a:solidFill>
                 <a:schemeClr val="tx1"/>
               </a:solidFill>
@@ -3957,7 +3978,7 @@
             <a:prstGeom prst="line">
               <a:avLst/>
             </a:prstGeom>
-            <a:ln w="28575">
+            <a:ln w="19050">
               <a:solidFill>
                 <a:schemeClr val="tx1"/>
               </a:solidFill>
@@ -4000,7 +4021,7 @@
             <a:prstGeom prst="line">
               <a:avLst/>
             </a:prstGeom>
-            <a:ln w="28575">
+            <a:ln w="19050">
               <a:solidFill>
                 <a:schemeClr val="tx1"/>
               </a:solidFill>
@@ -4043,7 +4064,7 @@
             <a:prstGeom prst="line">
               <a:avLst/>
             </a:prstGeom>
-            <a:ln w="28575">
+            <a:ln w="19050">
               <a:solidFill>
                 <a:schemeClr val="tx1"/>
               </a:solidFill>
@@ -4086,7 +4107,7 @@
             <a:prstGeom prst="line">
               <a:avLst/>
             </a:prstGeom>
-            <a:ln w="28575">
+            <a:ln w="19050">
               <a:solidFill>
                 <a:schemeClr val="tx1"/>
               </a:solidFill>
@@ -4129,7 +4150,7 @@
             <a:prstGeom prst="line">
               <a:avLst/>
             </a:prstGeom>
-            <a:ln w="28575">
+            <a:ln w="19050">
               <a:solidFill>
                 <a:schemeClr val="tx1"/>
               </a:solidFill>
@@ -4172,7 +4193,7 @@
             <a:prstGeom prst="line">
               <a:avLst/>
             </a:prstGeom>
-            <a:ln w="28575">
+            <a:ln w="19050">
               <a:solidFill>
                 <a:schemeClr val="tx1"/>
               </a:solidFill>
@@ -4215,7 +4236,7 @@
             <a:prstGeom prst="line">
               <a:avLst/>
             </a:prstGeom>
-            <a:ln w="28575">
+            <a:ln w="19050">
               <a:solidFill>
                 <a:schemeClr val="tx1"/>
               </a:solidFill>
@@ -4258,7 +4279,7 @@
             <a:prstGeom prst="line">
               <a:avLst/>
             </a:prstGeom>
-            <a:ln w="28575">
+            <a:ln w="19050">
               <a:solidFill>
                 <a:schemeClr val="tx1"/>
               </a:solidFill>
@@ -4295,13 +4316,13 @@
           </p:nvCxnSpPr>
           <p:spPr>
             <a:xfrm>
-              <a:off x="4479377" y="2776860"/>
+              <a:off x="4482552" y="2776860"/>
               <a:ext cx="316289" cy="311955"/>
             </a:xfrm>
             <a:prstGeom prst="line">
               <a:avLst/>
             </a:prstGeom>
-            <a:ln w="28575">
+            <a:ln w="19050">
               <a:solidFill>
                 <a:schemeClr val="tx1"/>
               </a:solidFill>
@@ -4344,7 +4365,7 @@
             <a:prstGeom prst="line">
               <a:avLst/>
             </a:prstGeom>
-            <a:ln w="28575">
+            <a:ln w="19050">
               <a:solidFill>
                 <a:schemeClr val="tx1"/>
               </a:solidFill>
@@ -4381,13 +4402,13 @@
           </p:nvCxnSpPr>
           <p:spPr>
             <a:xfrm flipH="1" flipV="1">
-              <a:off x="5211522" y="1534633"/>
-              <a:ext cx="422113" cy="118042"/>
+              <a:off x="5211523" y="1534633"/>
+              <a:ext cx="410698" cy="111551"/>
             </a:xfrm>
             <a:prstGeom prst="line">
               <a:avLst/>
             </a:prstGeom>
-            <a:ln w="28575">
+            <a:ln w="19050">
               <a:solidFill>
                 <a:schemeClr val="tx1"/>
               </a:solidFill>
@@ -4424,13 +4445,13 @@
           </p:nvCxnSpPr>
           <p:spPr>
             <a:xfrm flipH="1" flipV="1">
-              <a:off x="5619046" y="1649358"/>
-              <a:ext cx="322618" cy="306823"/>
+              <a:off x="5622221" y="1646184"/>
+              <a:ext cx="307711" cy="300468"/>
             </a:xfrm>
             <a:prstGeom prst="line">
               <a:avLst/>
             </a:prstGeom>
-            <a:ln w="28575">
+            <a:ln w="19050">
               <a:solidFill>
                 <a:schemeClr val="tx1"/>
               </a:solidFill>
@@ -4473,7 +4494,7 @@
             <a:prstGeom prst="line">
               <a:avLst/>
             </a:prstGeom>
-            <a:ln w="28575">
+            <a:ln w="19050">
               <a:solidFill>
                 <a:schemeClr val="tx1"/>
               </a:solidFill>
@@ -4516,7 +4537,7 @@
             <a:prstGeom prst="line">
               <a:avLst/>
             </a:prstGeom>
-            <a:ln w="28575">
+            <a:ln w="19050">
               <a:solidFill>
                 <a:schemeClr val="tx1"/>
               </a:solidFill>
@@ -4559,7 +4580,7 @@
             <a:prstGeom prst="line">
               <a:avLst/>
             </a:prstGeom>
-            <a:ln w="28575">
+            <a:ln w="19050">
               <a:solidFill>
                 <a:schemeClr val="tx1"/>
               </a:solidFill>
@@ -4602,7 +4623,7 @@
             <a:prstGeom prst="line">
               <a:avLst/>
             </a:prstGeom>
-            <a:ln w="28575">
+            <a:ln w="19050">
               <a:solidFill>
                 <a:schemeClr val="tx1"/>
               </a:solidFill>
@@ -4665,7 +4686,7 @@
               <a:prstGeom prst="line">
                 <a:avLst/>
               </a:prstGeom>
-              <a:ln w="28575">
+              <a:ln w="19050">
                 <a:solidFill>
                   <a:schemeClr val="tx1"/>
                 </a:solidFill>
@@ -4708,7 +4729,7 @@
               <a:prstGeom prst="line">
                 <a:avLst/>
               </a:prstGeom>
-              <a:ln w="28575">
+              <a:ln w="19050">
                 <a:solidFill>
                   <a:schemeClr val="tx1"/>
                 </a:solidFill>
@@ -4751,7 +4772,7 @@
               <a:prstGeom prst="line">
                 <a:avLst/>
               </a:prstGeom>
-              <a:ln w="28575">
+              <a:ln w="19050">
                 <a:solidFill>
                   <a:schemeClr val="tx1"/>
                 </a:solidFill>
@@ -4794,7 +4815,7 @@
               <a:prstGeom prst="line">
                 <a:avLst/>
               </a:prstGeom>
-              <a:ln w="28575">
+              <a:ln w="19050">
                 <a:solidFill>
                   <a:schemeClr val="tx1"/>
                 </a:solidFill>
@@ -4837,7 +4858,7 @@
               <a:prstGeom prst="line">
                 <a:avLst/>
               </a:prstGeom>
-              <a:ln w="28575">
+              <a:ln w="19050">
                 <a:solidFill>
                   <a:schemeClr val="tx1"/>
                 </a:solidFill>
@@ -4880,7 +4901,7 @@
               <a:prstGeom prst="line">
                 <a:avLst/>
               </a:prstGeom>
-              <a:ln w="28575">
+              <a:ln w="19050">
                 <a:solidFill>
                   <a:schemeClr val="tx1"/>
                 </a:solidFill>
@@ -4923,7 +4944,7 @@
               <a:prstGeom prst="line">
                 <a:avLst/>
               </a:prstGeom>
-              <a:ln w="28575">
+              <a:ln w="19050">
                 <a:solidFill>
                   <a:schemeClr val="tx1"/>
                 </a:solidFill>
@@ -4966,7 +4987,7 @@
               <a:prstGeom prst="line">
                 <a:avLst/>
               </a:prstGeom>
-              <a:ln w="28575">
+              <a:ln w="19050">
                 <a:solidFill>
                   <a:schemeClr val="tx1"/>
                 </a:solidFill>
@@ -5009,7 +5030,7 @@
               <a:prstGeom prst="line">
                 <a:avLst/>
               </a:prstGeom>
-              <a:ln w="28575">
+              <a:ln w="19050">
                 <a:solidFill>
                   <a:schemeClr val="tx1"/>
                 </a:solidFill>
@@ -5052,7 +5073,7 @@
               <a:prstGeom prst="line">
                 <a:avLst/>
               </a:prstGeom>
-              <a:ln w="28575">
+              <a:ln w="19050">
                 <a:solidFill>
                   <a:schemeClr val="tx1"/>
                 </a:solidFill>
@@ -5095,7 +5116,7 @@
               <a:prstGeom prst="line">
                 <a:avLst/>
               </a:prstGeom>
-              <a:ln w="28575">
+              <a:ln w="19050">
                 <a:solidFill>
                   <a:schemeClr val="tx1"/>
                 </a:solidFill>
@@ -5138,7 +5159,7 @@
               <a:prstGeom prst="line">
                 <a:avLst/>
               </a:prstGeom>
-              <a:ln w="28575">
+              <a:ln w="19050">
                 <a:solidFill>
                   <a:schemeClr val="tx1"/>
                 </a:solidFill>
